--- a/images/theory_analysis/Routing_Protocol/Routing_Protocol.pptx
+++ b/images/theory_analysis/Routing_Protocol/Routing_Protocol.pptx
@@ -5,12 +5,13 @@
     <p:sldMasterId id="2147483648" r:id="rId1"/>
   </p:sldMasterIdLst>
   <p:notesMasterIdLst>
-    <p:notesMasterId r:id="rId5"/>
+    <p:notesMasterId r:id="rId6"/>
   </p:notesMasterIdLst>
   <p:sldIdLst>
     <p:sldId id="361" r:id="rId2"/>
     <p:sldId id="362" r:id="rId3"/>
-    <p:sldId id="363" r:id="rId4"/>
+    <p:sldId id="364" r:id="rId4"/>
+    <p:sldId id="363" r:id="rId5"/>
   </p:sldIdLst>
   <p:sldSz cx="9144000" cy="5143500" type="screen16x9"/>
   <p:notesSz cx="6858000" cy="9144000"/>
@@ -215,7 +216,7 @@
           <a:p>
             <a:fld id="{6CD5550B-26C4-49A9-A5BA-636EF7BE6CE9}" type="datetimeFigureOut">
               <a:rPr lang="ko-KR" altLang="en-US" smtClean="0"/>
-              <a:t>2019-01-19</a:t>
+              <a:t>2019-01-20</a:t>
             </a:fld>
             <a:endParaRPr lang="ko-KR" altLang="en-US"/>
           </a:p>
@@ -661,7 +662,7 @@
           <a:p>
             <a:fld id="{FB30EDBD-1C2D-4C1E-B459-B60219FAB484}" type="datetimeFigureOut">
               <a:rPr lang="ko-KR" altLang="en-US" smtClean="0"/>
-              <a:t>2019-01-19</a:t>
+              <a:t>2019-01-20</a:t>
             </a:fld>
             <a:endParaRPr lang="ko-KR" altLang="en-US"/>
           </a:p>
@@ -824,7 +825,7 @@
           <a:p>
             <a:fld id="{FB30EDBD-1C2D-4C1E-B459-B60219FAB484}" type="datetimeFigureOut">
               <a:rPr lang="ko-KR" altLang="en-US" smtClean="0"/>
-              <a:t>2019-01-19</a:t>
+              <a:t>2019-01-20</a:t>
             </a:fld>
             <a:endParaRPr lang="ko-KR" altLang="en-US"/>
           </a:p>
@@ -997,7 +998,7 @@
           <a:p>
             <a:fld id="{FB30EDBD-1C2D-4C1E-B459-B60219FAB484}" type="datetimeFigureOut">
               <a:rPr lang="ko-KR" altLang="en-US" smtClean="0"/>
-              <a:t>2019-01-19</a:t>
+              <a:t>2019-01-20</a:t>
             </a:fld>
             <a:endParaRPr lang="ko-KR" altLang="en-US"/>
           </a:p>
@@ -1160,7 +1161,7 @@
           <a:p>
             <a:fld id="{FB30EDBD-1C2D-4C1E-B459-B60219FAB484}" type="datetimeFigureOut">
               <a:rPr lang="ko-KR" altLang="en-US" smtClean="0"/>
-              <a:t>2019-01-19</a:t>
+              <a:t>2019-01-20</a:t>
             </a:fld>
             <a:endParaRPr lang="ko-KR" altLang="en-US"/>
           </a:p>
@@ -1400,7 +1401,7 @@
           <a:p>
             <a:fld id="{FB30EDBD-1C2D-4C1E-B459-B60219FAB484}" type="datetimeFigureOut">
               <a:rPr lang="ko-KR" altLang="en-US" smtClean="0"/>
-              <a:t>2019-01-19</a:t>
+              <a:t>2019-01-20</a:t>
             </a:fld>
             <a:endParaRPr lang="ko-KR" altLang="en-US"/>
           </a:p>
@@ -1680,7 +1681,7 @@
           <a:p>
             <a:fld id="{FB30EDBD-1C2D-4C1E-B459-B60219FAB484}" type="datetimeFigureOut">
               <a:rPr lang="ko-KR" altLang="en-US" smtClean="0"/>
-              <a:t>2019-01-19</a:t>
+              <a:t>2019-01-20</a:t>
             </a:fld>
             <a:endParaRPr lang="ko-KR" altLang="en-US"/>
           </a:p>
@@ -2094,7 +2095,7 @@
           <a:p>
             <a:fld id="{FB30EDBD-1C2D-4C1E-B459-B60219FAB484}" type="datetimeFigureOut">
               <a:rPr lang="ko-KR" altLang="en-US" smtClean="0"/>
-              <a:t>2019-01-19</a:t>
+              <a:t>2019-01-20</a:t>
             </a:fld>
             <a:endParaRPr lang="ko-KR" altLang="en-US"/>
           </a:p>
@@ -2206,7 +2207,7 @@
           <a:p>
             <a:fld id="{FB30EDBD-1C2D-4C1E-B459-B60219FAB484}" type="datetimeFigureOut">
               <a:rPr lang="ko-KR" altLang="en-US" smtClean="0"/>
-              <a:t>2019-01-19</a:t>
+              <a:t>2019-01-20</a:t>
             </a:fld>
             <a:endParaRPr lang="ko-KR" altLang="en-US"/>
           </a:p>
@@ -2296,7 +2297,7 @@
           <a:p>
             <a:fld id="{FB30EDBD-1C2D-4C1E-B459-B60219FAB484}" type="datetimeFigureOut">
               <a:rPr lang="ko-KR" altLang="en-US" smtClean="0"/>
-              <a:t>2019-01-19</a:t>
+              <a:t>2019-01-20</a:t>
             </a:fld>
             <a:endParaRPr lang="ko-KR" altLang="en-US"/>
           </a:p>
@@ -2566,7 +2567,7 @@
           <a:p>
             <a:fld id="{FB30EDBD-1C2D-4C1E-B459-B60219FAB484}" type="datetimeFigureOut">
               <a:rPr lang="ko-KR" altLang="en-US" smtClean="0"/>
-              <a:t>2019-01-19</a:t>
+              <a:t>2019-01-20</a:t>
             </a:fld>
             <a:endParaRPr lang="ko-KR" altLang="en-US"/>
           </a:p>
@@ -2813,7 +2814,7 @@
           <a:p>
             <a:fld id="{FB30EDBD-1C2D-4C1E-B459-B60219FAB484}" type="datetimeFigureOut">
               <a:rPr lang="ko-KR" altLang="en-US" smtClean="0"/>
-              <a:t>2019-01-19</a:t>
+              <a:t>2019-01-20</a:t>
             </a:fld>
             <a:endParaRPr lang="ko-KR" altLang="en-US"/>
           </a:p>
@@ -3019,7 +3020,7 @@
           <a:p>
             <a:fld id="{FB30EDBD-1C2D-4C1E-B459-B60219FAB484}" type="datetimeFigureOut">
               <a:rPr lang="ko-KR" altLang="en-US" smtClean="0"/>
-              <a:t>2019-01-19</a:t>
+              <a:t>2019-01-20</a:t>
             </a:fld>
             <a:endParaRPr lang="ko-KR" altLang="en-US"/>
           </a:p>
@@ -3822,51 +3823,6 @@
           <a:xfrm flipH="1" flipV="1">
             <a:off x="5400092" y="2006565"/>
             <a:ext cx="720080" cy="936104"/>
-          </a:xfrm>
-          <a:prstGeom prst="line">
-            <a:avLst/>
-          </a:prstGeom>
-          <a:ln w="28575">
-            <a:solidFill>
-              <a:schemeClr val="tx1"/>
-            </a:solidFill>
-          </a:ln>
-        </p:spPr>
-        <p:style>
-          <a:lnRef idx="1">
-            <a:schemeClr val="accent1"/>
-          </a:lnRef>
-          <a:fillRef idx="0">
-            <a:schemeClr val="accent1"/>
-          </a:fillRef>
-          <a:effectRef idx="0">
-            <a:schemeClr val="accent1"/>
-          </a:effectRef>
-          <a:fontRef idx="minor">
-            <a:schemeClr val="tx1"/>
-          </a:fontRef>
-        </p:style>
-      </p:cxnSp>
-      <p:cxnSp>
-        <p:nvCxnSpPr>
-          <p:cNvPr id="32" name="직선 연결선 31">
-            <a:extLst>
-              <a:ext uri="{FF2B5EF4-FFF2-40B4-BE49-F238E27FC236}">
-                <a16:creationId xmlns:a16="http://schemas.microsoft.com/office/drawing/2014/main" id="{3DF366AE-7FC5-4189-BEEA-E650639F99E3}"/>
-              </a:ext>
-            </a:extLst>
-          </p:cNvPr>
-          <p:cNvCxnSpPr>
-            <a:cxnSpLocks/>
-            <a:stCxn id="21" idx="2"/>
-            <a:endCxn id="18" idx="6"/>
-          </p:cNvCxnSpPr>
-          <p:nvPr/>
-        </p:nvCxnSpPr>
-        <p:spPr>
-          <a:xfrm flipH="1">
-            <a:off x="4716016" y="3122689"/>
-            <a:ext cx="1224136" cy="0"/>
           </a:xfrm>
           <a:prstGeom prst="line">
             <a:avLst/>
@@ -4417,51 +4373,6 @@
             <a:xfrm flipV="1">
               <a:off x="2310978" y="1354844"/>
               <a:ext cx="258131" cy="417588"/>
-            </a:xfrm>
-            <a:prstGeom prst="line">
-              <a:avLst/>
-            </a:prstGeom>
-            <a:ln w="28575">
-              <a:solidFill>
-                <a:schemeClr val="tx1"/>
-              </a:solidFill>
-            </a:ln>
-          </p:spPr>
-          <p:style>
-            <a:lnRef idx="1">
-              <a:schemeClr val="accent1"/>
-            </a:lnRef>
-            <a:fillRef idx="0">
-              <a:schemeClr val="accent1"/>
-            </a:fillRef>
-            <a:effectRef idx="0">
-              <a:schemeClr val="accent1"/>
-            </a:effectRef>
-            <a:fontRef idx="minor">
-              <a:schemeClr val="tx1"/>
-            </a:fontRef>
-          </p:style>
-        </p:cxnSp>
-        <p:cxnSp>
-          <p:nvCxnSpPr>
-            <p:cNvPr id="79" name="직선 연결선 78">
-              <a:extLst>
-                <a:ext uri="{FF2B5EF4-FFF2-40B4-BE49-F238E27FC236}">
-                  <a16:creationId xmlns:a16="http://schemas.microsoft.com/office/drawing/2014/main" id="{BE8A0B3B-7A34-4F1C-985F-F598B8A78F4D}"/>
-                </a:ext>
-              </a:extLst>
-            </p:cNvPr>
-            <p:cNvCxnSpPr>
-              <a:cxnSpLocks/>
-              <a:stCxn id="58" idx="6"/>
-              <a:endCxn id="57" idx="2"/>
-            </p:cNvCxnSpPr>
-            <p:nvPr/>
-          </p:nvCxnSpPr>
-          <p:spPr>
-            <a:xfrm flipH="1">
-              <a:off x="2299060" y="1743658"/>
-              <a:ext cx="477428" cy="0"/>
             </a:xfrm>
             <a:prstGeom prst="line">
               <a:avLst/>
@@ -5040,51 +4951,6 @@
         </p:cxnSp>
         <p:cxnSp>
           <p:nvCxnSpPr>
-            <p:cNvPr id="99" name="직선 연결선 98">
-              <a:extLst>
-                <a:ext uri="{FF2B5EF4-FFF2-40B4-BE49-F238E27FC236}">
-                  <a16:creationId xmlns:a16="http://schemas.microsoft.com/office/drawing/2014/main" id="{BB7676F8-D73A-457E-BC72-17EAF3AC52A1}"/>
-                </a:ext>
-              </a:extLst>
-            </p:cNvPr>
-            <p:cNvCxnSpPr>
-              <a:cxnSpLocks/>
-              <a:stCxn id="95" idx="6"/>
-              <a:endCxn id="94" idx="2"/>
-            </p:cNvCxnSpPr>
-            <p:nvPr/>
-          </p:nvCxnSpPr>
-          <p:spPr>
-            <a:xfrm flipH="1">
-              <a:off x="2299060" y="1743658"/>
-              <a:ext cx="477428" cy="0"/>
-            </a:xfrm>
-            <a:prstGeom prst="line">
-              <a:avLst/>
-            </a:prstGeom>
-            <a:ln w="28575">
-              <a:solidFill>
-                <a:schemeClr val="tx1"/>
-              </a:solidFill>
-            </a:ln>
-          </p:spPr>
-          <p:style>
-            <a:lnRef idx="1">
-              <a:schemeClr val="accent1"/>
-            </a:lnRef>
-            <a:fillRef idx="0">
-              <a:schemeClr val="accent1"/>
-            </a:fillRef>
-            <a:effectRef idx="0">
-              <a:schemeClr val="accent1"/>
-            </a:effectRef>
-            <a:fontRef idx="minor">
-              <a:schemeClr val="tx1"/>
-            </a:fontRef>
-          </p:style>
-        </p:cxnSp>
-        <p:cxnSp>
-          <p:nvCxnSpPr>
             <p:cNvPr id="100" name="직선 연결선 99">
               <a:extLst>
                 <a:ext uri="{FF2B5EF4-FFF2-40B4-BE49-F238E27FC236}">
@@ -5609,51 +5475,6 @@
             <a:xfrm flipV="1">
               <a:off x="2310978" y="1354844"/>
               <a:ext cx="258131" cy="417588"/>
-            </a:xfrm>
-            <a:prstGeom prst="line">
-              <a:avLst/>
-            </a:prstGeom>
-            <a:ln w="28575">
-              <a:solidFill>
-                <a:schemeClr val="tx1"/>
-              </a:solidFill>
-            </a:ln>
-          </p:spPr>
-          <p:style>
-            <a:lnRef idx="1">
-              <a:schemeClr val="accent1"/>
-            </a:lnRef>
-            <a:fillRef idx="0">
-              <a:schemeClr val="accent1"/>
-            </a:fillRef>
-            <a:effectRef idx="0">
-              <a:schemeClr val="accent1"/>
-            </a:effectRef>
-            <a:fontRef idx="minor">
-              <a:schemeClr val="tx1"/>
-            </a:fontRef>
-          </p:style>
-        </p:cxnSp>
-        <p:cxnSp>
-          <p:nvCxnSpPr>
-            <p:cNvPr id="112" name="직선 연결선 111">
-              <a:extLst>
-                <a:ext uri="{FF2B5EF4-FFF2-40B4-BE49-F238E27FC236}">
-                  <a16:creationId xmlns:a16="http://schemas.microsoft.com/office/drawing/2014/main" id="{9580F7DA-042C-4353-98D0-C80520B54F1C}"/>
-                </a:ext>
-              </a:extLst>
-            </p:cNvPr>
-            <p:cNvCxnSpPr>
-              <a:cxnSpLocks/>
-              <a:stCxn id="108" idx="6"/>
-              <a:endCxn id="107" idx="2"/>
-            </p:cNvCxnSpPr>
-            <p:nvPr/>
-          </p:nvCxnSpPr>
-          <p:spPr>
-            <a:xfrm flipH="1">
-              <a:off x="2299060" y="1743658"/>
-              <a:ext cx="477428" cy="0"/>
             </a:xfrm>
             <a:prstGeom prst="line">
               <a:avLst/>
@@ -6232,51 +6053,6 @@
         </p:cxnSp>
         <p:cxnSp>
           <p:nvCxnSpPr>
-            <p:cNvPr id="125" name="직선 연결선 124">
-              <a:extLst>
-                <a:ext uri="{FF2B5EF4-FFF2-40B4-BE49-F238E27FC236}">
-                  <a16:creationId xmlns:a16="http://schemas.microsoft.com/office/drawing/2014/main" id="{BD9AA576-80EF-48F9-9368-2A3098751849}"/>
-                </a:ext>
-              </a:extLst>
-            </p:cNvPr>
-            <p:cNvCxnSpPr>
-              <a:cxnSpLocks/>
-              <a:stCxn id="121" idx="6"/>
-              <a:endCxn id="120" idx="2"/>
-            </p:cNvCxnSpPr>
-            <p:nvPr/>
-          </p:nvCxnSpPr>
-          <p:spPr>
-            <a:xfrm flipH="1">
-              <a:off x="2299060" y="1743658"/>
-              <a:ext cx="477428" cy="0"/>
-            </a:xfrm>
-            <a:prstGeom prst="line">
-              <a:avLst/>
-            </a:prstGeom>
-            <a:ln w="28575">
-              <a:solidFill>
-                <a:schemeClr val="tx1"/>
-              </a:solidFill>
-            </a:ln>
-          </p:spPr>
-          <p:style>
-            <a:lnRef idx="1">
-              <a:schemeClr val="accent1"/>
-            </a:lnRef>
-            <a:fillRef idx="0">
-              <a:schemeClr val="accent1"/>
-            </a:fillRef>
-            <a:effectRef idx="0">
-              <a:schemeClr val="accent1"/>
-            </a:effectRef>
-            <a:fontRef idx="minor">
-              <a:schemeClr val="tx1"/>
-            </a:fontRef>
-          </p:style>
-        </p:cxnSp>
-        <p:cxnSp>
-          <p:nvCxnSpPr>
             <p:cNvPr id="126" name="직선 연결선 125">
               <a:extLst>
                 <a:ext uri="{FF2B5EF4-FFF2-40B4-BE49-F238E27FC236}">
@@ -6828,51 +6604,6 @@
         </p:cxnSp>
         <p:cxnSp>
           <p:nvCxnSpPr>
-            <p:cNvPr id="138" name="직선 연결선 137">
-              <a:extLst>
-                <a:ext uri="{FF2B5EF4-FFF2-40B4-BE49-F238E27FC236}">
-                  <a16:creationId xmlns:a16="http://schemas.microsoft.com/office/drawing/2014/main" id="{F4A26F24-0D65-46A0-91DD-ACA452003775}"/>
-                </a:ext>
-              </a:extLst>
-            </p:cNvPr>
-            <p:cNvCxnSpPr>
-              <a:cxnSpLocks/>
-              <a:stCxn id="134" idx="6"/>
-              <a:endCxn id="133" idx="2"/>
-            </p:cNvCxnSpPr>
-            <p:nvPr/>
-          </p:nvCxnSpPr>
-          <p:spPr>
-            <a:xfrm flipH="1">
-              <a:off x="2299060" y="1743658"/>
-              <a:ext cx="477428" cy="0"/>
-            </a:xfrm>
-            <a:prstGeom prst="line">
-              <a:avLst/>
-            </a:prstGeom>
-            <a:ln w="28575">
-              <a:solidFill>
-                <a:schemeClr val="tx1"/>
-              </a:solidFill>
-            </a:ln>
-          </p:spPr>
-          <p:style>
-            <a:lnRef idx="1">
-              <a:schemeClr val="accent1"/>
-            </a:lnRef>
-            <a:fillRef idx="0">
-              <a:schemeClr val="accent1"/>
-            </a:fillRef>
-            <a:effectRef idx="0">
-              <a:schemeClr val="accent1"/>
-            </a:effectRef>
-            <a:fontRef idx="minor">
-              <a:schemeClr val="tx1"/>
-            </a:fontRef>
-          </p:style>
-        </p:cxnSp>
-        <p:cxnSp>
-          <p:nvCxnSpPr>
             <p:cNvPr id="139" name="직선 연결선 138">
               <a:extLst>
                 <a:ext uri="{FF2B5EF4-FFF2-40B4-BE49-F238E27FC236}">
@@ -7444,51 +7175,6 @@
       </p:cxnSp>
       <p:cxnSp>
         <p:nvCxnSpPr>
-          <p:cNvPr id="32" name="직선 연결선 31">
-            <a:extLst>
-              <a:ext uri="{FF2B5EF4-FFF2-40B4-BE49-F238E27FC236}">
-                <a16:creationId xmlns:a16="http://schemas.microsoft.com/office/drawing/2014/main" id="{3DF366AE-7FC5-4189-BEEA-E650639F99E3}"/>
-              </a:ext>
-            </a:extLst>
-          </p:cNvPr>
-          <p:cNvCxnSpPr>
-            <a:cxnSpLocks/>
-            <a:stCxn id="21" idx="2"/>
-            <a:endCxn id="18" idx="6"/>
-          </p:cNvCxnSpPr>
-          <p:nvPr/>
-        </p:nvCxnSpPr>
-        <p:spPr>
-          <a:xfrm flipH="1">
-            <a:off x="5868144" y="3122689"/>
-            <a:ext cx="1224136" cy="0"/>
-          </a:xfrm>
-          <a:prstGeom prst="line">
-            <a:avLst/>
-          </a:prstGeom>
-          <a:ln w="28575">
-            <a:solidFill>
-              <a:schemeClr val="tx1"/>
-            </a:solidFill>
-          </a:ln>
-        </p:spPr>
-        <p:style>
-          <a:lnRef idx="1">
-            <a:schemeClr val="accent1"/>
-          </a:lnRef>
-          <a:fillRef idx="0">
-            <a:schemeClr val="accent1"/>
-          </a:fillRef>
-          <a:effectRef idx="0">
-            <a:schemeClr val="accent1"/>
-          </a:effectRef>
-          <a:fontRef idx="minor">
-            <a:schemeClr val="tx1"/>
-          </a:fontRef>
-        </p:style>
-      </p:cxnSp>
-      <p:cxnSp>
-        <p:nvCxnSpPr>
           <p:cNvPr id="35" name="직선 연결선 34">
             <a:extLst>
               <a:ext uri="{FF2B5EF4-FFF2-40B4-BE49-F238E27FC236}">
@@ -7592,14 +7278,14 @@
           <p:nvPr>
             <p:extLst>
               <p:ext uri="{D42A27DB-BD31-4B8C-83A1-F6EECF244321}">
-                <p14:modId xmlns:p14="http://schemas.microsoft.com/office/powerpoint/2010/main" val="2001682777"/>
+                <p14:modId xmlns:p14="http://schemas.microsoft.com/office/powerpoint/2010/main" val="987172187"/>
               </p:ext>
             </p:extLst>
           </p:nvPr>
         </p:nvGraphicFramePr>
         <p:xfrm>
-          <a:off x="1524000" y="1938234"/>
-          <a:ext cx="2183904" cy="1209580"/>
+          <a:off x="1403648" y="1938234"/>
+          <a:ext cx="2304255" cy="1209580"/>
         </p:xfrm>
         <a:graphic>
           <a:graphicData uri="http://schemas.openxmlformats.org/drawingml/2006/table">
@@ -7608,21 +7294,21 @@
                 <a:tableStyleId>{5940675A-B579-460E-94D1-54222C63F5DA}</a:tableStyleId>
               </a:tblPr>
               <a:tblGrid>
-                <a:gridCol w="727968">
+                <a:gridCol w="720080">
                   <a:extLst>
                     <a:ext uri="{9D8B030D-6E8A-4147-A177-3AD203B41FA5}">
                       <a16:colId xmlns:a16="http://schemas.microsoft.com/office/drawing/2014/main" val="1516707845"/>
                     </a:ext>
                   </a:extLst>
                 </a:gridCol>
-                <a:gridCol w="727968">
+                <a:gridCol w="864096">
                   <a:extLst>
                     <a:ext uri="{9D8B030D-6E8A-4147-A177-3AD203B41FA5}">
                       <a16:colId xmlns:a16="http://schemas.microsoft.com/office/drawing/2014/main" val="3467385854"/>
                     </a:ext>
                   </a:extLst>
                 </a:gridCol>
-                <a:gridCol w="727968">
+                <a:gridCol w="720079">
                   <a:extLst>
                     <a:ext uri="{9D8B030D-6E8A-4147-A177-3AD203B41FA5}">
                       <a16:colId xmlns:a16="http://schemas.microsoft.com/office/drawing/2014/main" val="4256211802"/>
@@ -7699,7 +7385,7 @@
                       <a:pPr algn="ctr" latinLnBrk="1"/>
                       <a:r>
                         <a:rPr lang="en-US" altLang="ko-KR" sz="1200"/>
-                        <a:t>Nexthop</a:t>
+                        <a:t>Next Hop</a:t>
                       </a:r>
                       <a:endParaRPr lang="ko-KR" altLang="en-US" sz="1200"/>
                     </a:p>
@@ -8447,7 +8133,7 @@
                       <a:pPr algn="ctr" latinLnBrk="1"/>
                       <a:r>
                         <a:rPr lang="en-US" altLang="ko-KR" sz="1200"/>
-                        <a:t>B</a:t>
+                        <a:t>C</a:t>
                       </a:r>
                       <a:endParaRPr lang="ko-KR" altLang="en-US" sz="1200"/>
                     </a:p>
@@ -8507,7 +8193,7 @@
                       <a:pPr algn="ctr" latinLnBrk="1"/>
                       <a:r>
                         <a:rPr lang="en-US" altLang="ko-KR" sz="1200"/>
-                        <a:t>2</a:t>
+                        <a:t>3</a:t>
                       </a:r>
                       <a:endParaRPr lang="ko-KR" altLang="en-US" sz="1200"/>
                     </a:p>
@@ -8587,8 +8273,8 @@
         </p:nvCxnSpPr>
         <p:spPr>
           <a:xfrm flipH="1" flipV="1">
-            <a:off x="3707904" y="2543024"/>
-            <a:ext cx="216024" cy="579665"/>
+            <a:off x="3707903" y="2543024"/>
+            <a:ext cx="216025" cy="579665"/>
           </a:xfrm>
           <a:prstGeom prst="straightConnector1">
             <a:avLst/>
@@ -8668,6 +8354,3727 @@
 </file>
 
 <file path=ppt/slides/slide3.xml><?xml version="1.0" encoding="utf-8"?>
+<p:sld xmlns:a="http://schemas.openxmlformats.org/drawingml/2006/main" xmlns:r="http://schemas.openxmlformats.org/officeDocument/2006/relationships" xmlns:p="http://schemas.openxmlformats.org/presentationml/2006/main">
+  <p:cSld>
+    <p:spTree>
+      <p:nvGrpSpPr>
+        <p:cNvPr id="1" name=""/>
+        <p:cNvGrpSpPr/>
+        <p:nvPr/>
+      </p:nvGrpSpPr>
+      <p:grpSpPr>
+        <a:xfrm>
+          <a:off x="0" y="0"/>
+          <a:ext cx="0" cy="0"/>
+          <a:chOff x="0" y="0"/>
+          <a:chExt cx="0" cy="0"/>
+        </a:xfrm>
+      </p:grpSpPr>
+      <p:sp>
+        <p:nvSpPr>
+          <p:cNvPr id="2" name="제목 1"/>
+          <p:cNvSpPr>
+            <a:spLocks noGrp="1"/>
+          </p:cNvSpPr>
+          <p:nvPr>
+            <p:ph type="title"/>
+          </p:nvPr>
+        </p:nvSpPr>
+        <p:spPr>
+          <a:xfrm>
+            <a:off x="457200" y="-20538"/>
+            <a:ext cx="8229600" cy="720080"/>
+          </a:xfrm>
+        </p:spPr>
+        <p:txBody>
+          <a:bodyPr>
+            <a:normAutofit/>
+          </a:bodyPr>
+          <a:lstStyle/>
+          <a:p>
+            <a:r>
+              <a:rPr lang="en-US" altLang="ko-KR" sz="3600"/>
+              <a:t>Counting to Infinity</a:t>
+            </a:r>
+            <a:endParaRPr lang="ko-KR" altLang="en-US" sz="3600" dirty="0"/>
+          </a:p>
+        </p:txBody>
+      </p:sp>
+      <p:sp>
+        <p:nvSpPr>
+          <p:cNvPr id="3" name="타원 2">
+            <a:extLst>
+              <a:ext uri="{FF2B5EF4-FFF2-40B4-BE49-F238E27FC236}">
+                <a16:creationId xmlns:a16="http://schemas.microsoft.com/office/drawing/2014/main" id="{3EAE25D6-4CF5-4525-A179-B25007D63CB5}"/>
+              </a:ext>
+            </a:extLst>
+          </p:cNvPr>
+          <p:cNvSpPr/>
+          <p:nvPr/>
+        </p:nvSpPr>
+        <p:spPr>
+          <a:xfrm>
+            <a:off x="3058890" y="1900099"/>
+            <a:ext cx="360040" cy="360040"/>
+          </a:xfrm>
+          <a:prstGeom prst="ellipse">
+            <a:avLst/>
+          </a:prstGeom>
+        </p:spPr>
+        <p:style>
+          <a:lnRef idx="2">
+            <a:schemeClr val="dk1"/>
+          </a:lnRef>
+          <a:fillRef idx="1">
+            <a:schemeClr val="lt1"/>
+          </a:fillRef>
+          <a:effectRef idx="0">
+            <a:schemeClr val="dk1"/>
+          </a:effectRef>
+          <a:fontRef idx="minor">
+            <a:schemeClr val="dk1"/>
+          </a:fontRef>
+        </p:style>
+        <p:txBody>
+          <a:bodyPr rtlCol="0" anchor="ctr"/>
+          <a:lstStyle/>
+          <a:p>
+            <a:pPr algn="ctr"/>
+            <a:r>
+              <a:rPr lang="en-US" altLang="ko-KR" sz="1600"/>
+              <a:t>A</a:t>
+            </a:r>
+            <a:endParaRPr lang="ko-KR" altLang="en-US" sz="1600"/>
+          </a:p>
+        </p:txBody>
+      </p:sp>
+      <p:sp>
+        <p:nvSpPr>
+          <p:cNvPr id="18" name="타원 17">
+            <a:extLst>
+              <a:ext uri="{FF2B5EF4-FFF2-40B4-BE49-F238E27FC236}">
+                <a16:creationId xmlns:a16="http://schemas.microsoft.com/office/drawing/2014/main" id="{49BF8985-A0FD-46F2-8929-0F7A4390305A}"/>
+              </a:ext>
+            </a:extLst>
+          </p:cNvPr>
+          <p:cNvSpPr/>
+          <p:nvPr/>
+        </p:nvSpPr>
+        <p:spPr>
+          <a:xfrm>
+            <a:off x="3058890" y="3027102"/>
+            <a:ext cx="360040" cy="360040"/>
+          </a:xfrm>
+          <a:prstGeom prst="ellipse">
+            <a:avLst/>
+          </a:prstGeom>
+        </p:spPr>
+        <p:style>
+          <a:lnRef idx="2">
+            <a:schemeClr val="dk1"/>
+          </a:lnRef>
+          <a:fillRef idx="1">
+            <a:schemeClr val="lt1"/>
+          </a:fillRef>
+          <a:effectRef idx="0">
+            <a:schemeClr val="dk1"/>
+          </a:effectRef>
+          <a:fontRef idx="minor">
+            <a:schemeClr val="dk1"/>
+          </a:fontRef>
+        </p:style>
+        <p:txBody>
+          <a:bodyPr rtlCol="0" anchor="ctr"/>
+          <a:lstStyle/>
+          <a:p>
+            <a:pPr algn="ctr"/>
+            <a:r>
+              <a:rPr lang="en-US" altLang="ko-KR" sz="1600"/>
+              <a:t>B</a:t>
+            </a:r>
+            <a:endParaRPr lang="ko-KR" altLang="en-US" sz="1600"/>
+          </a:p>
+        </p:txBody>
+      </p:sp>
+      <p:sp>
+        <p:nvSpPr>
+          <p:cNvPr id="19" name="타원 18">
+            <a:extLst>
+              <a:ext uri="{FF2B5EF4-FFF2-40B4-BE49-F238E27FC236}">
+                <a16:creationId xmlns:a16="http://schemas.microsoft.com/office/drawing/2014/main" id="{C96F1F4C-0EAF-4EF7-8E3F-BCF873B89CB7}"/>
+              </a:ext>
+            </a:extLst>
+          </p:cNvPr>
+          <p:cNvSpPr/>
+          <p:nvPr/>
+        </p:nvSpPr>
+        <p:spPr>
+          <a:xfrm>
+            <a:off x="3923927" y="2463600"/>
+            <a:ext cx="360040" cy="360040"/>
+          </a:xfrm>
+          <a:prstGeom prst="ellipse">
+            <a:avLst/>
+          </a:prstGeom>
+        </p:spPr>
+        <p:style>
+          <a:lnRef idx="2">
+            <a:schemeClr val="dk1"/>
+          </a:lnRef>
+          <a:fillRef idx="1">
+            <a:schemeClr val="lt1"/>
+          </a:fillRef>
+          <a:effectRef idx="0">
+            <a:schemeClr val="dk1"/>
+          </a:effectRef>
+          <a:fontRef idx="minor">
+            <a:schemeClr val="dk1"/>
+          </a:fontRef>
+        </p:style>
+        <p:txBody>
+          <a:bodyPr rtlCol="0" anchor="ctr"/>
+          <a:lstStyle/>
+          <a:p>
+            <a:pPr algn="ctr"/>
+            <a:r>
+              <a:rPr lang="en-US" altLang="ko-KR" sz="1600"/>
+              <a:t>C</a:t>
+            </a:r>
+            <a:endParaRPr lang="ko-KR" altLang="en-US" sz="1600"/>
+          </a:p>
+        </p:txBody>
+      </p:sp>
+      <p:cxnSp>
+        <p:nvCxnSpPr>
+          <p:cNvPr id="22" name="직선 연결선 21">
+            <a:extLst>
+              <a:ext uri="{FF2B5EF4-FFF2-40B4-BE49-F238E27FC236}">
+                <a16:creationId xmlns:a16="http://schemas.microsoft.com/office/drawing/2014/main" id="{13656E2A-20A6-4970-8E0D-E0E259CC2A8E}"/>
+              </a:ext>
+            </a:extLst>
+          </p:cNvPr>
+          <p:cNvCxnSpPr>
+            <a:cxnSpLocks/>
+            <a:stCxn id="3" idx="6"/>
+            <a:endCxn id="19" idx="2"/>
+          </p:cNvCxnSpPr>
+          <p:nvPr/>
+        </p:nvCxnSpPr>
+        <p:spPr>
+          <a:xfrm>
+            <a:off x="3418930" y="2080119"/>
+            <a:ext cx="504997" cy="563501"/>
+          </a:xfrm>
+          <a:prstGeom prst="line">
+            <a:avLst/>
+          </a:prstGeom>
+          <a:ln w="28575">
+            <a:solidFill>
+              <a:schemeClr val="tx1"/>
+            </a:solidFill>
+          </a:ln>
+        </p:spPr>
+        <p:style>
+          <a:lnRef idx="1">
+            <a:schemeClr val="accent1"/>
+          </a:lnRef>
+          <a:fillRef idx="0">
+            <a:schemeClr val="accent1"/>
+          </a:fillRef>
+          <a:effectRef idx="0">
+            <a:schemeClr val="accent1"/>
+          </a:effectRef>
+          <a:fontRef idx="minor">
+            <a:schemeClr val="tx1"/>
+          </a:fontRef>
+        </p:style>
+      </p:cxnSp>
+      <p:cxnSp>
+        <p:nvCxnSpPr>
+          <p:cNvPr id="23" name="직선 연결선 22">
+            <a:extLst>
+              <a:ext uri="{FF2B5EF4-FFF2-40B4-BE49-F238E27FC236}">
+                <a16:creationId xmlns:a16="http://schemas.microsoft.com/office/drawing/2014/main" id="{9DA49001-F30A-49EB-AECA-6749A3054A84}"/>
+              </a:ext>
+            </a:extLst>
+          </p:cNvPr>
+          <p:cNvCxnSpPr>
+            <a:cxnSpLocks/>
+            <a:stCxn id="18" idx="6"/>
+            <a:endCxn id="19" idx="2"/>
+          </p:cNvCxnSpPr>
+          <p:nvPr/>
+        </p:nvCxnSpPr>
+        <p:spPr>
+          <a:xfrm flipV="1">
+            <a:off x="3418930" y="2643620"/>
+            <a:ext cx="504997" cy="563502"/>
+          </a:xfrm>
+          <a:prstGeom prst="line">
+            <a:avLst/>
+          </a:prstGeom>
+          <a:ln w="28575">
+            <a:solidFill>
+              <a:schemeClr val="tx1"/>
+            </a:solidFill>
+          </a:ln>
+        </p:spPr>
+        <p:style>
+          <a:lnRef idx="1">
+            <a:schemeClr val="accent1"/>
+          </a:lnRef>
+          <a:fillRef idx="0">
+            <a:schemeClr val="accent1"/>
+          </a:fillRef>
+          <a:effectRef idx="0">
+            <a:schemeClr val="accent1"/>
+          </a:effectRef>
+          <a:fontRef idx="minor">
+            <a:schemeClr val="tx1"/>
+          </a:fontRef>
+        </p:style>
+      </p:cxnSp>
+      <p:cxnSp>
+        <p:nvCxnSpPr>
+          <p:cNvPr id="35" name="직선 연결선 34">
+            <a:extLst>
+              <a:ext uri="{FF2B5EF4-FFF2-40B4-BE49-F238E27FC236}">
+                <a16:creationId xmlns:a16="http://schemas.microsoft.com/office/drawing/2014/main" id="{F4721331-C31C-4AE8-A3A1-DCBD5CAECD3D}"/>
+              </a:ext>
+            </a:extLst>
+          </p:cNvPr>
+          <p:cNvCxnSpPr>
+            <a:cxnSpLocks/>
+            <a:stCxn id="18" idx="0"/>
+            <a:endCxn id="3" idx="4"/>
+          </p:cNvCxnSpPr>
+          <p:nvPr/>
+        </p:nvCxnSpPr>
+        <p:spPr>
+          <a:xfrm flipV="1">
+            <a:off x="3238910" y="2260139"/>
+            <a:ext cx="0" cy="766963"/>
+          </a:xfrm>
+          <a:prstGeom prst="line">
+            <a:avLst/>
+          </a:prstGeom>
+          <a:ln w="28575">
+            <a:solidFill>
+              <a:schemeClr val="tx1"/>
+            </a:solidFill>
+          </a:ln>
+        </p:spPr>
+        <p:style>
+          <a:lnRef idx="1">
+            <a:schemeClr val="accent1"/>
+          </a:lnRef>
+          <a:fillRef idx="0">
+            <a:schemeClr val="accent1"/>
+          </a:fillRef>
+          <a:effectRef idx="0">
+            <a:schemeClr val="accent1"/>
+          </a:effectRef>
+          <a:fontRef idx="minor">
+            <a:schemeClr val="tx1"/>
+          </a:fontRef>
+        </p:style>
+      </p:cxnSp>
+      <p:sp>
+        <p:nvSpPr>
+          <p:cNvPr id="33" name="TextBox 32">
+            <a:extLst>
+              <a:ext uri="{FF2B5EF4-FFF2-40B4-BE49-F238E27FC236}">
+                <a16:creationId xmlns:a16="http://schemas.microsoft.com/office/drawing/2014/main" id="{A62DEFA6-A376-4F4F-B68D-2295F1E545D0}"/>
+              </a:ext>
+            </a:extLst>
+          </p:cNvPr>
+          <p:cNvSpPr txBox="1"/>
+          <p:nvPr/>
+        </p:nvSpPr>
+        <p:spPr>
+          <a:xfrm>
+            <a:off x="3203846" y="2466290"/>
+            <a:ext cx="284052" cy="307777"/>
+          </a:xfrm>
+          <a:prstGeom prst="rect">
+            <a:avLst/>
+          </a:prstGeom>
+          <a:noFill/>
+        </p:spPr>
+        <p:txBody>
+          <a:bodyPr wrap="none" rtlCol="0">
+            <a:spAutoFit/>
+          </a:bodyPr>
+          <a:lstStyle/>
+          <a:p>
+            <a:pPr algn="ctr"/>
+            <a:r>
+              <a:rPr lang="en-US" altLang="ko-KR" sz="1400"/>
+              <a:t>1</a:t>
+            </a:r>
+            <a:endParaRPr lang="ko-KR" altLang="en-US" sz="1400"/>
+          </a:p>
+        </p:txBody>
+      </p:sp>
+      <p:sp>
+        <p:nvSpPr>
+          <p:cNvPr id="34" name="TextBox 33">
+            <a:extLst>
+              <a:ext uri="{FF2B5EF4-FFF2-40B4-BE49-F238E27FC236}">
+                <a16:creationId xmlns:a16="http://schemas.microsoft.com/office/drawing/2014/main" id="{C301BDAC-BC06-4CE4-BCDF-3E15C1E36629}"/>
+              </a:ext>
+            </a:extLst>
+          </p:cNvPr>
+          <p:cNvSpPr txBox="1"/>
+          <p:nvPr/>
+        </p:nvSpPr>
+        <p:spPr>
+          <a:xfrm>
+            <a:off x="3563887" y="2898969"/>
+            <a:ext cx="284052" cy="307777"/>
+          </a:xfrm>
+          <a:prstGeom prst="rect">
+            <a:avLst/>
+          </a:prstGeom>
+          <a:noFill/>
+        </p:spPr>
+        <p:txBody>
+          <a:bodyPr wrap="none" rtlCol="0">
+            <a:spAutoFit/>
+          </a:bodyPr>
+          <a:lstStyle/>
+          <a:p>
+            <a:pPr algn="ctr"/>
+            <a:r>
+              <a:rPr lang="en-US" altLang="ko-KR" sz="1400"/>
+              <a:t>2</a:t>
+            </a:r>
+            <a:endParaRPr lang="ko-KR" altLang="en-US" sz="1400"/>
+          </a:p>
+        </p:txBody>
+      </p:sp>
+      <p:sp>
+        <p:nvSpPr>
+          <p:cNvPr id="36" name="TextBox 35">
+            <a:extLst>
+              <a:ext uri="{FF2B5EF4-FFF2-40B4-BE49-F238E27FC236}">
+                <a16:creationId xmlns:a16="http://schemas.microsoft.com/office/drawing/2014/main" id="{6B4F0042-8371-4425-8D22-305CCCB86FA6}"/>
+              </a:ext>
+            </a:extLst>
+          </p:cNvPr>
+          <p:cNvSpPr txBox="1"/>
+          <p:nvPr/>
+        </p:nvSpPr>
+        <p:spPr>
+          <a:xfrm>
+            <a:off x="3563887" y="2054092"/>
+            <a:ext cx="284052" cy="307777"/>
+          </a:xfrm>
+          <a:prstGeom prst="rect">
+            <a:avLst/>
+          </a:prstGeom>
+          <a:noFill/>
+        </p:spPr>
+        <p:txBody>
+          <a:bodyPr wrap="none" rtlCol="0">
+            <a:spAutoFit/>
+          </a:bodyPr>
+          <a:lstStyle/>
+          <a:p>
+            <a:pPr algn="ctr"/>
+            <a:r>
+              <a:rPr lang="en-US" altLang="ko-KR" sz="1400"/>
+              <a:t>3</a:t>
+            </a:r>
+            <a:endParaRPr lang="ko-KR" altLang="en-US" sz="1400"/>
+          </a:p>
+        </p:txBody>
+      </p:sp>
+      <p:cxnSp>
+        <p:nvCxnSpPr>
+          <p:cNvPr id="32" name="직선 연결선 31">
+            <a:extLst>
+              <a:ext uri="{FF2B5EF4-FFF2-40B4-BE49-F238E27FC236}">
+                <a16:creationId xmlns:a16="http://schemas.microsoft.com/office/drawing/2014/main" id="{2636C0FC-2ECE-4EE6-992E-4CDD507CD443}"/>
+              </a:ext>
+            </a:extLst>
+          </p:cNvPr>
+          <p:cNvCxnSpPr>
+            <a:cxnSpLocks/>
+          </p:cNvCxnSpPr>
+          <p:nvPr/>
+        </p:nvCxnSpPr>
+        <p:spPr>
+          <a:xfrm flipH="1" flipV="1">
+            <a:off x="3923927" y="2463600"/>
+            <a:ext cx="360041" cy="360041"/>
+          </a:xfrm>
+          <a:prstGeom prst="line">
+            <a:avLst/>
+          </a:prstGeom>
+          <a:ln w="28575">
+            <a:solidFill>
+              <a:schemeClr val="tx1"/>
+            </a:solidFill>
+          </a:ln>
+        </p:spPr>
+        <p:style>
+          <a:lnRef idx="1">
+            <a:schemeClr val="accent1"/>
+          </a:lnRef>
+          <a:fillRef idx="0">
+            <a:schemeClr val="accent1"/>
+          </a:fillRef>
+          <a:effectRef idx="0">
+            <a:schemeClr val="accent1"/>
+          </a:effectRef>
+          <a:fontRef idx="minor">
+            <a:schemeClr val="tx1"/>
+          </a:fontRef>
+        </p:style>
+      </p:cxnSp>
+      <p:cxnSp>
+        <p:nvCxnSpPr>
+          <p:cNvPr id="42" name="직선 연결선 41">
+            <a:extLst>
+              <a:ext uri="{FF2B5EF4-FFF2-40B4-BE49-F238E27FC236}">
+                <a16:creationId xmlns:a16="http://schemas.microsoft.com/office/drawing/2014/main" id="{F3E530B5-BB85-400F-9ADC-EC5C29EFCC7A}"/>
+              </a:ext>
+            </a:extLst>
+          </p:cNvPr>
+          <p:cNvCxnSpPr>
+            <a:cxnSpLocks/>
+          </p:cNvCxnSpPr>
+          <p:nvPr/>
+        </p:nvCxnSpPr>
+        <p:spPr>
+          <a:xfrm flipV="1">
+            <a:off x="3923927" y="2463601"/>
+            <a:ext cx="360040" cy="360039"/>
+          </a:xfrm>
+          <a:prstGeom prst="line">
+            <a:avLst/>
+          </a:prstGeom>
+          <a:ln w="28575">
+            <a:solidFill>
+              <a:schemeClr val="tx1"/>
+            </a:solidFill>
+          </a:ln>
+        </p:spPr>
+        <p:style>
+          <a:lnRef idx="1">
+            <a:schemeClr val="accent1"/>
+          </a:lnRef>
+          <a:fillRef idx="0">
+            <a:schemeClr val="accent1"/>
+          </a:fillRef>
+          <a:effectRef idx="0">
+            <a:schemeClr val="accent1"/>
+          </a:effectRef>
+          <a:fontRef idx="minor">
+            <a:schemeClr val="tx1"/>
+          </a:fontRef>
+        </p:style>
+      </p:cxnSp>
+      <p:cxnSp>
+        <p:nvCxnSpPr>
+          <p:cNvPr id="48" name="직선 화살표 연결선 47">
+            <a:extLst>
+              <a:ext uri="{FF2B5EF4-FFF2-40B4-BE49-F238E27FC236}">
+                <a16:creationId xmlns:a16="http://schemas.microsoft.com/office/drawing/2014/main" id="{CE334A0A-4FA5-45CE-8E27-8FA3F7EF4724}"/>
+              </a:ext>
+            </a:extLst>
+          </p:cNvPr>
+          <p:cNvCxnSpPr/>
+          <p:nvPr/>
+        </p:nvCxnSpPr>
+        <p:spPr>
+          <a:xfrm>
+            <a:off x="3131840" y="2361869"/>
+            <a:ext cx="0" cy="537100"/>
+          </a:xfrm>
+          <a:prstGeom prst="straightConnector1">
+            <a:avLst/>
+          </a:prstGeom>
+          <a:ln w="28575">
+            <a:solidFill>
+              <a:schemeClr val="tx1"/>
+            </a:solidFill>
+            <a:headEnd type="none" w="med" len="med"/>
+            <a:tailEnd type="arrow" w="med" len="med"/>
+          </a:ln>
+        </p:spPr>
+        <p:style>
+          <a:lnRef idx="1">
+            <a:schemeClr val="accent1"/>
+          </a:lnRef>
+          <a:fillRef idx="0">
+            <a:schemeClr val="accent1"/>
+          </a:fillRef>
+          <a:effectRef idx="0">
+            <a:schemeClr val="accent1"/>
+          </a:effectRef>
+          <a:fontRef idx="minor">
+            <a:schemeClr val="tx1"/>
+          </a:fontRef>
+        </p:style>
+      </p:cxnSp>
+      <p:graphicFrame>
+        <p:nvGraphicFramePr>
+          <p:cNvPr id="51" name="표 50">
+            <a:extLst>
+              <a:ext uri="{FF2B5EF4-FFF2-40B4-BE49-F238E27FC236}">
+                <a16:creationId xmlns:a16="http://schemas.microsoft.com/office/drawing/2014/main" id="{50B68BFC-E52F-487F-A752-92BA5B1DC93B}"/>
+              </a:ext>
+            </a:extLst>
+          </p:cNvPr>
+          <p:cNvGraphicFramePr>
+            <a:graphicFrameLocks noGrp="1"/>
+          </p:cNvGraphicFramePr>
+          <p:nvPr>
+            <p:extLst>
+              <p:ext uri="{D42A27DB-BD31-4B8C-83A1-F6EECF244321}">
+                <p14:modId xmlns:p14="http://schemas.microsoft.com/office/powerpoint/2010/main" val="3864459445"/>
+              </p:ext>
+            </p:extLst>
+          </p:nvPr>
+        </p:nvGraphicFramePr>
+        <p:xfrm>
+          <a:off x="730029" y="1563638"/>
+          <a:ext cx="2183904" cy="725748"/>
+        </p:xfrm>
+        <a:graphic>
+          <a:graphicData uri="http://schemas.openxmlformats.org/drawingml/2006/table">
+            <a:tbl>
+              <a:tblPr firstRow="1" bandRow="1">
+                <a:tableStyleId>{5940675A-B579-460E-94D1-54222C63F5DA}</a:tableStyleId>
+              </a:tblPr>
+              <a:tblGrid>
+                <a:gridCol w="675717">
+                  <a:extLst>
+                    <a:ext uri="{9D8B030D-6E8A-4147-A177-3AD203B41FA5}">
+                      <a16:colId xmlns:a16="http://schemas.microsoft.com/office/drawing/2014/main" val="1516707845"/>
+                    </a:ext>
+                  </a:extLst>
+                </a:gridCol>
+                <a:gridCol w="837396">
+                  <a:extLst>
+                    <a:ext uri="{9D8B030D-6E8A-4147-A177-3AD203B41FA5}">
+                      <a16:colId xmlns:a16="http://schemas.microsoft.com/office/drawing/2014/main" val="3467385854"/>
+                    </a:ext>
+                  </a:extLst>
+                </a:gridCol>
+                <a:gridCol w="670791">
+                  <a:extLst>
+                    <a:ext uri="{9D8B030D-6E8A-4147-A177-3AD203B41FA5}">
+                      <a16:colId xmlns:a16="http://schemas.microsoft.com/office/drawing/2014/main" val="4256211802"/>
+                    </a:ext>
+                  </a:extLst>
+                </a:gridCol>
+              </a:tblGrid>
+              <a:tr h="239425">
+                <a:tc>
+                  <a:txBody>
+                    <a:bodyPr/>
+                    <a:lstStyle/>
+                    <a:p>
+                      <a:pPr algn="ctr" latinLnBrk="1"/>
+                      <a:r>
+                        <a:rPr lang="en-US" altLang="ko-KR" sz="1200"/>
+                        <a:t>Dest</a:t>
+                      </a:r>
+                      <a:endParaRPr lang="ko-KR" altLang="en-US" sz="1200"/>
+                    </a:p>
+                  </a:txBody>
+                  <a:tcPr marL="59036" marR="59036" marT="29518" marB="29518">
+                    <a:lnL w="19050" cap="flat" cmpd="sng" algn="ctr">
+                      <a:solidFill>
+                        <a:schemeClr val="tx1"/>
+                      </a:solidFill>
+                      <a:prstDash val="solid"/>
+                      <a:round/>
+                      <a:headEnd type="none" w="med" len="med"/>
+                      <a:tailEnd type="none" w="med" len="med"/>
+                    </a:lnL>
+                    <a:lnR w="19050" cap="flat" cmpd="sng" algn="ctr">
+                      <a:solidFill>
+                        <a:schemeClr val="tx1"/>
+                      </a:solidFill>
+                      <a:prstDash val="solid"/>
+                      <a:round/>
+                      <a:headEnd type="none" w="med" len="med"/>
+                      <a:tailEnd type="none" w="med" len="med"/>
+                    </a:lnR>
+                    <a:lnT w="19050" cap="flat" cmpd="sng" algn="ctr">
+                      <a:solidFill>
+                        <a:schemeClr val="tx1"/>
+                      </a:solidFill>
+                      <a:prstDash val="solid"/>
+                      <a:round/>
+                      <a:headEnd type="none" w="med" len="med"/>
+                      <a:tailEnd type="none" w="med" len="med"/>
+                    </a:lnT>
+                    <a:lnB w="19050" cap="flat" cmpd="sng" algn="ctr">
+                      <a:solidFill>
+                        <a:schemeClr val="tx1"/>
+                      </a:solidFill>
+                      <a:prstDash val="solid"/>
+                      <a:round/>
+                      <a:headEnd type="none" w="med" len="med"/>
+                      <a:tailEnd type="none" w="med" len="med"/>
+                    </a:lnB>
+                    <a:lnTlToBr w="12700" cmpd="sng">
+                      <a:noFill/>
+                      <a:prstDash val="solid"/>
+                    </a:lnTlToBr>
+                    <a:lnBlToTr w="12700" cmpd="sng">
+                      <a:noFill/>
+                      <a:prstDash val="solid"/>
+                    </a:lnBlToTr>
+                  </a:tcPr>
+                </a:tc>
+                <a:tc>
+                  <a:txBody>
+                    <a:bodyPr/>
+                    <a:lstStyle/>
+                    <a:p>
+                      <a:pPr algn="ctr" latinLnBrk="1"/>
+                      <a:r>
+                        <a:rPr lang="en-US" altLang="ko-KR" sz="1200"/>
+                        <a:t>Next Hop</a:t>
+                      </a:r>
+                      <a:endParaRPr lang="ko-KR" altLang="en-US" sz="1200"/>
+                    </a:p>
+                  </a:txBody>
+                  <a:tcPr marL="59036" marR="59036" marT="29518" marB="29518">
+                    <a:lnL w="19050" cap="flat" cmpd="sng" algn="ctr">
+                      <a:solidFill>
+                        <a:schemeClr val="tx1"/>
+                      </a:solidFill>
+                      <a:prstDash val="solid"/>
+                      <a:round/>
+                      <a:headEnd type="none" w="med" len="med"/>
+                      <a:tailEnd type="none" w="med" len="med"/>
+                    </a:lnL>
+                    <a:lnR w="19050" cap="flat" cmpd="sng" algn="ctr">
+                      <a:solidFill>
+                        <a:schemeClr val="tx1"/>
+                      </a:solidFill>
+                      <a:prstDash val="solid"/>
+                      <a:round/>
+                      <a:headEnd type="none" w="med" len="med"/>
+                      <a:tailEnd type="none" w="med" len="med"/>
+                    </a:lnR>
+                    <a:lnT w="19050" cap="flat" cmpd="sng" algn="ctr">
+                      <a:solidFill>
+                        <a:schemeClr val="tx1"/>
+                      </a:solidFill>
+                      <a:prstDash val="solid"/>
+                      <a:round/>
+                      <a:headEnd type="none" w="med" len="med"/>
+                      <a:tailEnd type="none" w="med" len="med"/>
+                    </a:lnT>
+                    <a:lnB w="19050" cap="flat" cmpd="sng" algn="ctr">
+                      <a:solidFill>
+                        <a:schemeClr val="tx1"/>
+                      </a:solidFill>
+                      <a:prstDash val="solid"/>
+                      <a:round/>
+                      <a:headEnd type="none" w="med" len="med"/>
+                      <a:tailEnd type="none" w="med" len="med"/>
+                    </a:lnB>
+                    <a:lnTlToBr w="12700" cmpd="sng">
+                      <a:noFill/>
+                      <a:prstDash val="solid"/>
+                    </a:lnTlToBr>
+                    <a:lnBlToTr w="12700" cmpd="sng">
+                      <a:noFill/>
+                      <a:prstDash val="solid"/>
+                    </a:lnBlToTr>
+                  </a:tcPr>
+                </a:tc>
+                <a:tc>
+                  <a:txBody>
+                    <a:bodyPr/>
+                    <a:lstStyle/>
+                    <a:p>
+                      <a:pPr algn="ctr" latinLnBrk="1"/>
+                      <a:r>
+                        <a:rPr lang="en-US" altLang="ko-KR" sz="1200"/>
+                        <a:t>Cost</a:t>
+                      </a:r>
+                      <a:endParaRPr lang="ko-KR" altLang="en-US" sz="1200"/>
+                    </a:p>
+                  </a:txBody>
+                  <a:tcPr marL="59036" marR="59036" marT="29518" marB="29518">
+                    <a:lnL w="19050" cap="flat" cmpd="sng" algn="ctr">
+                      <a:solidFill>
+                        <a:schemeClr val="tx1"/>
+                      </a:solidFill>
+                      <a:prstDash val="solid"/>
+                      <a:round/>
+                      <a:headEnd type="none" w="med" len="med"/>
+                      <a:tailEnd type="none" w="med" len="med"/>
+                    </a:lnL>
+                    <a:lnR w="19050" cap="flat" cmpd="sng" algn="ctr">
+                      <a:solidFill>
+                        <a:schemeClr val="tx1"/>
+                      </a:solidFill>
+                      <a:prstDash val="solid"/>
+                      <a:round/>
+                      <a:headEnd type="none" w="med" len="med"/>
+                      <a:tailEnd type="none" w="med" len="med"/>
+                    </a:lnR>
+                    <a:lnT w="19050" cap="flat" cmpd="sng" algn="ctr">
+                      <a:solidFill>
+                        <a:schemeClr val="tx1"/>
+                      </a:solidFill>
+                      <a:prstDash val="solid"/>
+                      <a:round/>
+                      <a:headEnd type="none" w="med" len="med"/>
+                      <a:tailEnd type="none" w="med" len="med"/>
+                    </a:lnT>
+                    <a:lnB w="19050" cap="flat" cmpd="sng" algn="ctr">
+                      <a:solidFill>
+                        <a:schemeClr val="tx1"/>
+                      </a:solidFill>
+                      <a:prstDash val="solid"/>
+                      <a:round/>
+                      <a:headEnd type="none" w="med" len="med"/>
+                      <a:tailEnd type="none" w="med" len="med"/>
+                    </a:lnB>
+                    <a:lnTlToBr w="12700" cmpd="sng">
+                      <a:noFill/>
+                      <a:prstDash val="solid"/>
+                    </a:lnTlToBr>
+                    <a:lnBlToTr w="12700" cmpd="sng">
+                      <a:noFill/>
+                      <a:prstDash val="solid"/>
+                    </a:lnBlToTr>
+                  </a:tcPr>
+                </a:tc>
+                <a:extLst>
+                  <a:ext uri="{0D108BD9-81ED-4DB2-BD59-A6C34878D82A}">
+                    <a16:rowId xmlns:a16="http://schemas.microsoft.com/office/drawing/2014/main" val="2069835679"/>
+                  </a:ext>
+                </a:extLst>
+              </a:tr>
+              <a:tr h="239425">
+                <a:tc>
+                  <a:txBody>
+                    <a:bodyPr/>
+                    <a:lstStyle/>
+                    <a:p>
+                      <a:pPr algn="ctr" latinLnBrk="1"/>
+                      <a:r>
+                        <a:rPr lang="en-US" altLang="ko-KR" sz="1200"/>
+                        <a:t>B</a:t>
+                      </a:r>
+                      <a:endParaRPr lang="ko-KR" altLang="en-US" sz="1200"/>
+                    </a:p>
+                  </a:txBody>
+                  <a:tcPr marL="59036" marR="59036" marT="29518" marB="29518">
+                    <a:lnL w="19050" cap="flat" cmpd="sng" algn="ctr">
+                      <a:solidFill>
+                        <a:schemeClr val="tx1"/>
+                      </a:solidFill>
+                      <a:prstDash val="solid"/>
+                      <a:round/>
+                      <a:headEnd type="none" w="med" len="med"/>
+                      <a:tailEnd type="none" w="med" len="med"/>
+                    </a:lnL>
+                    <a:lnR w="19050" cap="flat" cmpd="sng" algn="ctr">
+                      <a:solidFill>
+                        <a:schemeClr val="tx1"/>
+                      </a:solidFill>
+                      <a:prstDash val="solid"/>
+                      <a:round/>
+                      <a:headEnd type="none" w="med" len="med"/>
+                      <a:tailEnd type="none" w="med" len="med"/>
+                    </a:lnR>
+                    <a:lnT w="19050" cap="flat" cmpd="sng" algn="ctr">
+                      <a:solidFill>
+                        <a:schemeClr val="tx1"/>
+                      </a:solidFill>
+                      <a:prstDash val="solid"/>
+                      <a:round/>
+                      <a:headEnd type="none" w="med" len="med"/>
+                      <a:tailEnd type="none" w="med" len="med"/>
+                    </a:lnT>
+                    <a:lnB w="19050" cap="flat" cmpd="sng" algn="ctr">
+                      <a:solidFill>
+                        <a:schemeClr val="tx1"/>
+                      </a:solidFill>
+                      <a:prstDash val="solid"/>
+                      <a:round/>
+                      <a:headEnd type="none" w="med" len="med"/>
+                      <a:tailEnd type="none" w="med" len="med"/>
+                    </a:lnB>
+                    <a:lnTlToBr w="12700" cmpd="sng">
+                      <a:noFill/>
+                      <a:prstDash val="solid"/>
+                    </a:lnTlToBr>
+                    <a:lnBlToTr w="12700" cmpd="sng">
+                      <a:noFill/>
+                      <a:prstDash val="solid"/>
+                    </a:lnBlToTr>
+                  </a:tcPr>
+                </a:tc>
+                <a:tc>
+                  <a:txBody>
+                    <a:bodyPr/>
+                    <a:lstStyle/>
+                    <a:p>
+                      <a:pPr algn="ctr" latinLnBrk="1"/>
+                      <a:r>
+                        <a:rPr lang="en-US" altLang="ko-KR" sz="1200"/>
+                        <a:t>B</a:t>
+                      </a:r>
+                      <a:endParaRPr lang="ko-KR" altLang="en-US" sz="1200"/>
+                    </a:p>
+                  </a:txBody>
+                  <a:tcPr marL="59036" marR="59036" marT="29518" marB="29518">
+                    <a:lnL w="19050" cap="flat" cmpd="sng" algn="ctr">
+                      <a:solidFill>
+                        <a:schemeClr val="tx1"/>
+                      </a:solidFill>
+                      <a:prstDash val="solid"/>
+                      <a:round/>
+                      <a:headEnd type="none" w="med" len="med"/>
+                      <a:tailEnd type="none" w="med" len="med"/>
+                    </a:lnL>
+                    <a:lnR w="19050" cap="flat" cmpd="sng" algn="ctr">
+                      <a:solidFill>
+                        <a:schemeClr val="tx1"/>
+                      </a:solidFill>
+                      <a:prstDash val="solid"/>
+                      <a:round/>
+                      <a:headEnd type="none" w="med" len="med"/>
+                      <a:tailEnd type="none" w="med" len="med"/>
+                    </a:lnR>
+                    <a:lnT w="19050" cap="flat" cmpd="sng" algn="ctr">
+                      <a:solidFill>
+                        <a:schemeClr val="tx1"/>
+                      </a:solidFill>
+                      <a:prstDash val="solid"/>
+                      <a:round/>
+                      <a:headEnd type="none" w="med" len="med"/>
+                      <a:tailEnd type="none" w="med" len="med"/>
+                    </a:lnT>
+                    <a:lnB w="19050" cap="flat" cmpd="sng" algn="ctr">
+                      <a:solidFill>
+                        <a:schemeClr val="tx1"/>
+                      </a:solidFill>
+                      <a:prstDash val="solid"/>
+                      <a:round/>
+                      <a:headEnd type="none" w="med" len="med"/>
+                      <a:tailEnd type="none" w="med" len="med"/>
+                    </a:lnB>
+                    <a:lnTlToBr w="12700" cmpd="sng">
+                      <a:noFill/>
+                      <a:prstDash val="solid"/>
+                    </a:lnTlToBr>
+                    <a:lnBlToTr w="12700" cmpd="sng">
+                      <a:noFill/>
+                      <a:prstDash val="solid"/>
+                    </a:lnBlToTr>
+                  </a:tcPr>
+                </a:tc>
+                <a:tc>
+                  <a:txBody>
+                    <a:bodyPr/>
+                    <a:lstStyle/>
+                    <a:p>
+                      <a:pPr algn="ctr" latinLnBrk="1"/>
+                      <a:r>
+                        <a:rPr lang="en-US" altLang="ko-KR" sz="1200"/>
+                        <a:t>1</a:t>
+                      </a:r>
+                      <a:endParaRPr lang="ko-KR" altLang="en-US" sz="1200"/>
+                    </a:p>
+                  </a:txBody>
+                  <a:tcPr marL="59036" marR="59036" marT="29518" marB="29518">
+                    <a:lnL w="19050" cap="flat" cmpd="sng" algn="ctr">
+                      <a:solidFill>
+                        <a:schemeClr val="tx1"/>
+                      </a:solidFill>
+                      <a:prstDash val="solid"/>
+                      <a:round/>
+                      <a:headEnd type="none" w="med" len="med"/>
+                      <a:tailEnd type="none" w="med" len="med"/>
+                    </a:lnL>
+                    <a:lnR w="19050" cap="flat" cmpd="sng" algn="ctr">
+                      <a:solidFill>
+                        <a:schemeClr val="tx1"/>
+                      </a:solidFill>
+                      <a:prstDash val="solid"/>
+                      <a:round/>
+                      <a:headEnd type="none" w="med" len="med"/>
+                      <a:tailEnd type="none" w="med" len="med"/>
+                    </a:lnR>
+                    <a:lnT w="19050" cap="flat" cmpd="sng" algn="ctr">
+                      <a:solidFill>
+                        <a:schemeClr val="tx1"/>
+                      </a:solidFill>
+                      <a:prstDash val="solid"/>
+                      <a:round/>
+                      <a:headEnd type="none" w="med" len="med"/>
+                      <a:tailEnd type="none" w="med" len="med"/>
+                    </a:lnT>
+                    <a:lnB w="19050" cap="flat" cmpd="sng" algn="ctr">
+                      <a:solidFill>
+                        <a:schemeClr val="tx1"/>
+                      </a:solidFill>
+                      <a:prstDash val="solid"/>
+                      <a:round/>
+                      <a:headEnd type="none" w="med" len="med"/>
+                      <a:tailEnd type="none" w="med" len="med"/>
+                    </a:lnB>
+                    <a:lnTlToBr w="12700" cmpd="sng">
+                      <a:noFill/>
+                      <a:prstDash val="solid"/>
+                    </a:lnTlToBr>
+                    <a:lnBlToTr w="12700" cmpd="sng">
+                      <a:noFill/>
+                      <a:prstDash val="solid"/>
+                    </a:lnBlToTr>
+                  </a:tcPr>
+                </a:tc>
+                <a:extLst>
+                  <a:ext uri="{0D108BD9-81ED-4DB2-BD59-A6C34878D82A}">
+                    <a16:rowId xmlns:a16="http://schemas.microsoft.com/office/drawing/2014/main" val="2988943064"/>
+                  </a:ext>
+                </a:extLst>
+              </a:tr>
+              <a:tr h="239425">
+                <a:tc>
+                  <a:txBody>
+                    <a:bodyPr/>
+                    <a:lstStyle/>
+                    <a:p>
+                      <a:pPr algn="ctr" latinLnBrk="1"/>
+                      <a:r>
+                        <a:rPr lang="en-US" altLang="ko-KR" sz="1200"/>
+                        <a:t>C</a:t>
+                      </a:r>
+                      <a:endParaRPr lang="ko-KR" altLang="en-US" sz="1200"/>
+                    </a:p>
+                  </a:txBody>
+                  <a:tcPr marL="59036" marR="59036" marT="29518" marB="29518">
+                    <a:lnL w="19050" cap="flat" cmpd="sng" algn="ctr">
+                      <a:solidFill>
+                        <a:schemeClr val="tx1"/>
+                      </a:solidFill>
+                      <a:prstDash val="solid"/>
+                      <a:round/>
+                      <a:headEnd type="none" w="med" len="med"/>
+                      <a:tailEnd type="none" w="med" len="med"/>
+                    </a:lnL>
+                    <a:lnR w="19050" cap="flat" cmpd="sng" algn="ctr">
+                      <a:solidFill>
+                        <a:schemeClr val="tx1"/>
+                      </a:solidFill>
+                      <a:prstDash val="solid"/>
+                      <a:round/>
+                      <a:headEnd type="none" w="med" len="med"/>
+                      <a:tailEnd type="none" w="med" len="med"/>
+                    </a:lnR>
+                    <a:lnT w="19050" cap="flat" cmpd="sng" algn="ctr">
+                      <a:solidFill>
+                        <a:schemeClr val="tx1"/>
+                      </a:solidFill>
+                      <a:prstDash val="solid"/>
+                      <a:round/>
+                      <a:headEnd type="none" w="med" len="med"/>
+                      <a:tailEnd type="none" w="med" len="med"/>
+                    </a:lnT>
+                    <a:lnB w="19050" cap="flat" cmpd="sng" algn="ctr">
+                      <a:solidFill>
+                        <a:schemeClr val="tx1"/>
+                      </a:solidFill>
+                      <a:prstDash val="solid"/>
+                      <a:round/>
+                      <a:headEnd type="none" w="med" len="med"/>
+                      <a:tailEnd type="none" w="med" len="med"/>
+                    </a:lnB>
+                    <a:lnTlToBr w="12700" cmpd="sng">
+                      <a:noFill/>
+                      <a:prstDash val="solid"/>
+                    </a:lnTlToBr>
+                    <a:lnBlToTr w="12700" cmpd="sng">
+                      <a:noFill/>
+                      <a:prstDash val="solid"/>
+                    </a:lnBlToTr>
+                  </a:tcPr>
+                </a:tc>
+                <a:tc>
+                  <a:txBody>
+                    <a:bodyPr/>
+                    <a:lstStyle/>
+                    <a:p>
+                      <a:pPr algn="ctr" latinLnBrk="1"/>
+                      <a:r>
+                        <a:rPr lang="en-US" altLang="ko-KR" sz="1200"/>
+                        <a:t>B</a:t>
+                      </a:r>
+                      <a:endParaRPr lang="ko-KR" altLang="en-US" sz="1200"/>
+                    </a:p>
+                  </a:txBody>
+                  <a:tcPr marL="59036" marR="59036" marT="29518" marB="29518">
+                    <a:lnL w="19050" cap="flat" cmpd="sng" algn="ctr">
+                      <a:solidFill>
+                        <a:schemeClr val="tx1"/>
+                      </a:solidFill>
+                      <a:prstDash val="solid"/>
+                      <a:round/>
+                      <a:headEnd type="none" w="med" len="med"/>
+                      <a:tailEnd type="none" w="med" len="med"/>
+                    </a:lnL>
+                    <a:lnR w="19050" cap="flat" cmpd="sng" algn="ctr">
+                      <a:solidFill>
+                        <a:schemeClr val="tx1"/>
+                      </a:solidFill>
+                      <a:prstDash val="solid"/>
+                      <a:round/>
+                      <a:headEnd type="none" w="med" len="med"/>
+                      <a:tailEnd type="none" w="med" len="med"/>
+                    </a:lnR>
+                    <a:lnT w="19050" cap="flat" cmpd="sng" algn="ctr">
+                      <a:solidFill>
+                        <a:schemeClr val="tx1"/>
+                      </a:solidFill>
+                      <a:prstDash val="solid"/>
+                      <a:round/>
+                      <a:headEnd type="none" w="med" len="med"/>
+                      <a:tailEnd type="none" w="med" len="med"/>
+                    </a:lnT>
+                    <a:lnB w="19050" cap="flat" cmpd="sng" algn="ctr">
+                      <a:solidFill>
+                        <a:schemeClr val="tx1"/>
+                      </a:solidFill>
+                      <a:prstDash val="solid"/>
+                      <a:round/>
+                      <a:headEnd type="none" w="med" len="med"/>
+                      <a:tailEnd type="none" w="med" len="med"/>
+                    </a:lnB>
+                    <a:lnTlToBr w="12700" cmpd="sng">
+                      <a:noFill/>
+                      <a:prstDash val="solid"/>
+                    </a:lnTlToBr>
+                    <a:lnBlToTr w="12700" cmpd="sng">
+                      <a:noFill/>
+                      <a:prstDash val="solid"/>
+                    </a:lnBlToTr>
+                  </a:tcPr>
+                </a:tc>
+                <a:tc>
+                  <a:txBody>
+                    <a:bodyPr/>
+                    <a:lstStyle/>
+                    <a:p>
+                      <a:pPr algn="ctr" latinLnBrk="1"/>
+                      <a:r>
+                        <a:rPr lang="en-US" altLang="ko-KR" sz="1200"/>
+                        <a:t>2</a:t>
+                      </a:r>
+                      <a:endParaRPr lang="ko-KR" altLang="en-US" sz="1200"/>
+                    </a:p>
+                  </a:txBody>
+                  <a:tcPr marL="59036" marR="59036" marT="29518" marB="29518">
+                    <a:lnL w="19050" cap="flat" cmpd="sng" algn="ctr">
+                      <a:solidFill>
+                        <a:schemeClr val="tx1"/>
+                      </a:solidFill>
+                      <a:prstDash val="solid"/>
+                      <a:round/>
+                      <a:headEnd type="none" w="med" len="med"/>
+                      <a:tailEnd type="none" w="med" len="med"/>
+                    </a:lnL>
+                    <a:lnR w="19050" cap="flat" cmpd="sng" algn="ctr">
+                      <a:solidFill>
+                        <a:schemeClr val="tx1"/>
+                      </a:solidFill>
+                      <a:prstDash val="solid"/>
+                      <a:round/>
+                      <a:headEnd type="none" w="med" len="med"/>
+                      <a:tailEnd type="none" w="med" len="med"/>
+                    </a:lnR>
+                    <a:lnT w="19050" cap="flat" cmpd="sng" algn="ctr">
+                      <a:solidFill>
+                        <a:schemeClr val="tx1"/>
+                      </a:solidFill>
+                      <a:prstDash val="solid"/>
+                      <a:round/>
+                      <a:headEnd type="none" w="med" len="med"/>
+                      <a:tailEnd type="none" w="med" len="med"/>
+                    </a:lnT>
+                    <a:lnB w="19050" cap="flat" cmpd="sng" algn="ctr">
+                      <a:solidFill>
+                        <a:schemeClr val="tx1"/>
+                      </a:solidFill>
+                      <a:prstDash val="solid"/>
+                      <a:round/>
+                      <a:headEnd type="none" w="med" len="med"/>
+                      <a:tailEnd type="none" w="med" len="med"/>
+                    </a:lnB>
+                    <a:lnTlToBr w="12700" cmpd="sng">
+                      <a:noFill/>
+                      <a:prstDash val="solid"/>
+                    </a:lnTlToBr>
+                    <a:lnBlToTr w="12700" cmpd="sng">
+                      <a:noFill/>
+                      <a:prstDash val="solid"/>
+                    </a:lnBlToTr>
+                  </a:tcPr>
+                </a:tc>
+                <a:extLst>
+                  <a:ext uri="{0D108BD9-81ED-4DB2-BD59-A6C34878D82A}">
+                    <a16:rowId xmlns:a16="http://schemas.microsoft.com/office/drawing/2014/main" val="2151023030"/>
+                  </a:ext>
+                </a:extLst>
+              </a:tr>
+            </a:tbl>
+          </a:graphicData>
+        </a:graphic>
+      </p:graphicFrame>
+      <p:graphicFrame>
+        <p:nvGraphicFramePr>
+          <p:cNvPr id="52" name="표 51">
+            <a:extLst>
+              <a:ext uri="{FF2B5EF4-FFF2-40B4-BE49-F238E27FC236}">
+                <a16:creationId xmlns:a16="http://schemas.microsoft.com/office/drawing/2014/main" id="{32C2F205-B5D4-4405-BA28-C76C79435B0D}"/>
+              </a:ext>
+            </a:extLst>
+          </p:cNvPr>
+          <p:cNvGraphicFramePr>
+            <a:graphicFrameLocks noGrp="1"/>
+          </p:cNvGraphicFramePr>
+          <p:nvPr>
+            <p:extLst>
+              <p:ext uri="{D42A27DB-BD31-4B8C-83A1-F6EECF244321}">
+                <p14:modId xmlns:p14="http://schemas.microsoft.com/office/powerpoint/2010/main" val="3951886064"/>
+              </p:ext>
+            </p:extLst>
+          </p:nvPr>
+        </p:nvGraphicFramePr>
+        <p:xfrm>
+          <a:off x="730029" y="3011969"/>
+          <a:ext cx="2183904" cy="725748"/>
+        </p:xfrm>
+        <a:graphic>
+          <a:graphicData uri="http://schemas.openxmlformats.org/drawingml/2006/table">
+            <a:tbl>
+              <a:tblPr firstRow="1" bandRow="1">
+                <a:tableStyleId>{5940675A-B579-460E-94D1-54222C63F5DA}</a:tableStyleId>
+              </a:tblPr>
+              <a:tblGrid>
+                <a:gridCol w="675717">
+                  <a:extLst>
+                    <a:ext uri="{9D8B030D-6E8A-4147-A177-3AD203B41FA5}">
+                      <a16:colId xmlns:a16="http://schemas.microsoft.com/office/drawing/2014/main" val="1516707845"/>
+                    </a:ext>
+                  </a:extLst>
+                </a:gridCol>
+                <a:gridCol w="837396">
+                  <a:extLst>
+                    <a:ext uri="{9D8B030D-6E8A-4147-A177-3AD203B41FA5}">
+                      <a16:colId xmlns:a16="http://schemas.microsoft.com/office/drawing/2014/main" val="3467385854"/>
+                    </a:ext>
+                  </a:extLst>
+                </a:gridCol>
+                <a:gridCol w="670791">
+                  <a:extLst>
+                    <a:ext uri="{9D8B030D-6E8A-4147-A177-3AD203B41FA5}">
+                      <a16:colId xmlns:a16="http://schemas.microsoft.com/office/drawing/2014/main" val="4256211802"/>
+                    </a:ext>
+                  </a:extLst>
+                </a:gridCol>
+              </a:tblGrid>
+              <a:tr h="239425">
+                <a:tc>
+                  <a:txBody>
+                    <a:bodyPr/>
+                    <a:lstStyle/>
+                    <a:p>
+                      <a:pPr algn="ctr" latinLnBrk="1"/>
+                      <a:r>
+                        <a:rPr lang="en-US" altLang="ko-KR" sz="1200"/>
+                        <a:t>Dest</a:t>
+                      </a:r>
+                      <a:endParaRPr lang="ko-KR" altLang="en-US" sz="1200"/>
+                    </a:p>
+                  </a:txBody>
+                  <a:tcPr marL="59036" marR="59036" marT="29518" marB="29518">
+                    <a:lnL w="19050" cap="flat" cmpd="sng" algn="ctr">
+                      <a:solidFill>
+                        <a:schemeClr val="tx1"/>
+                      </a:solidFill>
+                      <a:prstDash val="solid"/>
+                      <a:round/>
+                      <a:headEnd type="none" w="med" len="med"/>
+                      <a:tailEnd type="none" w="med" len="med"/>
+                    </a:lnL>
+                    <a:lnR w="19050" cap="flat" cmpd="sng" algn="ctr">
+                      <a:solidFill>
+                        <a:schemeClr val="tx1"/>
+                      </a:solidFill>
+                      <a:prstDash val="solid"/>
+                      <a:round/>
+                      <a:headEnd type="none" w="med" len="med"/>
+                      <a:tailEnd type="none" w="med" len="med"/>
+                    </a:lnR>
+                    <a:lnT w="19050" cap="flat" cmpd="sng" algn="ctr">
+                      <a:solidFill>
+                        <a:schemeClr val="tx1"/>
+                      </a:solidFill>
+                      <a:prstDash val="solid"/>
+                      <a:round/>
+                      <a:headEnd type="none" w="med" len="med"/>
+                      <a:tailEnd type="none" w="med" len="med"/>
+                    </a:lnT>
+                    <a:lnB w="19050" cap="flat" cmpd="sng" algn="ctr">
+                      <a:solidFill>
+                        <a:schemeClr val="tx1"/>
+                      </a:solidFill>
+                      <a:prstDash val="solid"/>
+                      <a:round/>
+                      <a:headEnd type="none" w="med" len="med"/>
+                      <a:tailEnd type="none" w="med" len="med"/>
+                    </a:lnB>
+                    <a:lnTlToBr w="12700" cmpd="sng">
+                      <a:noFill/>
+                      <a:prstDash val="solid"/>
+                    </a:lnTlToBr>
+                    <a:lnBlToTr w="12700" cmpd="sng">
+                      <a:noFill/>
+                      <a:prstDash val="solid"/>
+                    </a:lnBlToTr>
+                  </a:tcPr>
+                </a:tc>
+                <a:tc>
+                  <a:txBody>
+                    <a:bodyPr/>
+                    <a:lstStyle/>
+                    <a:p>
+                      <a:pPr algn="ctr" latinLnBrk="1"/>
+                      <a:r>
+                        <a:rPr lang="en-US" altLang="ko-KR" sz="1200"/>
+                        <a:t>Next Hop</a:t>
+                      </a:r>
+                      <a:endParaRPr lang="ko-KR" altLang="en-US" sz="1200"/>
+                    </a:p>
+                  </a:txBody>
+                  <a:tcPr marL="59036" marR="59036" marT="29518" marB="29518">
+                    <a:lnL w="19050" cap="flat" cmpd="sng" algn="ctr">
+                      <a:solidFill>
+                        <a:schemeClr val="tx1"/>
+                      </a:solidFill>
+                      <a:prstDash val="solid"/>
+                      <a:round/>
+                      <a:headEnd type="none" w="med" len="med"/>
+                      <a:tailEnd type="none" w="med" len="med"/>
+                    </a:lnL>
+                    <a:lnR w="19050" cap="flat" cmpd="sng" algn="ctr">
+                      <a:solidFill>
+                        <a:schemeClr val="tx1"/>
+                      </a:solidFill>
+                      <a:prstDash val="solid"/>
+                      <a:round/>
+                      <a:headEnd type="none" w="med" len="med"/>
+                      <a:tailEnd type="none" w="med" len="med"/>
+                    </a:lnR>
+                    <a:lnT w="19050" cap="flat" cmpd="sng" algn="ctr">
+                      <a:solidFill>
+                        <a:schemeClr val="tx1"/>
+                      </a:solidFill>
+                      <a:prstDash val="solid"/>
+                      <a:round/>
+                      <a:headEnd type="none" w="med" len="med"/>
+                      <a:tailEnd type="none" w="med" len="med"/>
+                    </a:lnT>
+                    <a:lnB w="19050" cap="flat" cmpd="sng" algn="ctr">
+                      <a:solidFill>
+                        <a:schemeClr val="tx1"/>
+                      </a:solidFill>
+                      <a:prstDash val="solid"/>
+                      <a:round/>
+                      <a:headEnd type="none" w="med" len="med"/>
+                      <a:tailEnd type="none" w="med" len="med"/>
+                    </a:lnB>
+                    <a:lnTlToBr w="12700" cmpd="sng">
+                      <a:noFill/>
+                      <a:prstDash val="solid"/>
+                    </a:lnTlToBr>
+                    <a:lnBlToTr w="12700" cmpd="sng">
+                      <a:noFill/>
+                      <a:prstDash val="solid"/>
+                    </a:lnBlToTr>
+                  </a:tcPr>
+                </a:tc>
+                <a:tc>
+                  <a:txBody>
+                    <a:bodyPr/>
+                    <a:lstStyle/>
+                    <a:p>
+                      <a:pPr algn="ctr" latinLnBrk="1"/>
+                      <a:r>
+                        <a:rPr lang="en-US" altLang="ko-KR" sz="1200"/>
+                        <a:t>Cost</a:t>
+                      </a:r>
+                      <a:endParaRPr lang="ko-KR" altLang="en-US" sz="1200"/>
+                    </a:p>
+                  </a:txBody>
+                  <a:tcPr marL="59036" marR="59036" marT="29518" marB="29518">
+                    <a:lnL w="19050" cap="flat" cmpd="sng" algn="ctr">
+                      <a:solidFill>
+                        <a:schemeClr val="tx1"/>
+                      </a:solidFill>
+                      <a:prstDash val="solid"/>
+                      <a:round/>
+                      <a:headEnd type="none" w="med" len="med"/>
+                      <a:tailEnd type="none" w="med" len="med"/>
+                    </a:lnL>
+                    <a:lnR w="19050" cap="flat" cmpd="sng" algn="ctr">
+                      <a:solidFill>
+                        <a:schemeClr val="tx1"/>
+                      </a:solidFill>
+                      <a:prstDash val="solid"/>
+                      <a:round/>
+                      <a:headEnd type="none" w="med" len="med"/>
+                      <a:tailEnd type="none" w="med" len="med"/>
+                    </a:lnR>
+                    <a:lnT w="19050" cap="flat" cmpd="sng" algn="ctr">
+                      <a:solidFill>
+                        <a:schemeClr val="tx1"/>
+                      </a:solidFill>
+                      <a:prstDash val="solid"/>
+                      <a:round/>
+                      <a:headEnd type="none" w="med" len="med"/>
+                      <a:tailEnd type="none" w="med" len="med"/>
+                    </a:lnT>
+                    <a:lnB w="19050" cap="flat" cmpd="sng" algn="ctr">
+                      <a:solidFill>
+                        <a:schemeClr val="tx1"/>
+                      </a:solidFill>
+                      <a:prstDash val="solid"/>
+                      <a:round/>
+                      <a:headEnd type="none" w="med" len="med"/>
+                      <a:tailEnd type="none" w="med" len="med"/>
+                    </a:lnB>
+                    <a:lnTlToBr w="12700" cmpd="sng">
+                      <a:noFill/>
+                      <a:prstDash val="solid"/>
+                    </a:lnTlToBr>
+                    <a:lnBlToTr w="12700" cmpd="sng">
+                      <a:noFill/>
+                      <a:prstDash val="solid"/>
+                    </a:lnBlToTr>
+                  </a:tcPr>
+                </a:tc>
+                <a:extLst>
+                  <a:ext uri="{0D108BD9-81ED-4DB2-BD59-A6C34878D82A}">
+                    <a16:rowId xmlns:a16="http://schemas.microsoft.com/office/drawing/2014/main" val="2069835679"/>
+                  </a:ext>
+                </a:extLst>
+              </a:tr>
+              <a:tr h="239425">
+                <a:tc>
+                  <a:txBody>
+                    <a:bodyPr/>
+                    <a:lstStyle/>
+                    <a:p>
+                      <a:pPr algn="ctr" latinLnBrk="1"/>
+                      <a:r>
+                        <a:rPr lang="en-US" altLang="ko-KR" sz="1200"/>
+                        <a:t>A</a:t>
+                      </a:r>
+                      <a:endParaRPr lang="ko-KR" altLang="en-US" sz="1200"/>
+                    </a:p>
+                  </a:txBody>
+                  <a:tcPr marL="59036" marR="59036" marT="29518" marB="29518">
+                    <a:lnL w="19050" cap="flat" cmpd="sng" algn="ctr">
+                      <a:solidFill>
+                        <a:schemeClr val="tx1"/>
+                      </a:solidFill>
+                      <a:prstDash val="solid"/>
+                      <a:round/>
+                      <a:headEnd type="none" w="med" len="med"/>
+                      <a:tailEnd type="none" w="med" len="med"/>
+                    </a:lnL>
+                    <a:lnR w="19050" cap="flat" cmpd="sng" algn="ctr">
+                      <a:solidFill>
+                        <a:schemeClr val="tx1"/>
+                      </a:solidFill>
+                      <a:prstDash val="solid"/>
+                      <a:round/>
+                      <a:headEnd type="none" w="med" len="med"/>
+                      <a:tailEnd type="none" w="med" len="med"/>
+                    </a:lnR>
+                    <a:lnT w="19050" cap="flat" cmpd="sng" algn="ctr">
+                      <a:solidFill>
+                        <a:schemeClr val="tx1"/>
+                      </a:solidFill>
+                      <a:prstDash val="solid"/>
+                      <a:round/>
+                      <a:headEnd type="none" w="med" len="med"/>
+                      <a:tailEnd type="none" w="med" len="med"/>
+                    </a:lnT>
+                    <a:lnB w="19050" cap="flat" cmpd="sng" algn="ctr">
+                      <a:solidFill>
+                        <a:schemeClr val="tx1"/>
+                      </a:solidFill>
+                      <a:prstDash val="solid"/>
+                      <a:round/>
+                      <a:headEnd type="none" w="med" len="med"/>
+                      <a:tailEnd type="none" w="med" len="med"/>
+                    </a:lnB>
+                    <a:lnTlToBr w="12700" cmpd="sng">
+                      <a:noFill/>
+                      <a:prstDash val="solid"/>
+                    </a:lnTlToBr>
+                    <a:lnBlToTr w="12700" cmpd="sng">
+                      <a:noFill/>
+                      <a:prstDash val="solid"/>
+                    </a:lnBlToTr>
+                  </a:tcPr>
+                </a:tc>
+                <a:tc>
+                  <a:txBody>
+                    <a:bodyPr/>
+                    <a:lstStyle/>
+                    <a:p>
+                      <a:pPr algn="ctr" latinLnBrk="1"/>
+                      <a:r>
+                        <a:rPr lang="en-US" altLang="ko-KR" sz="1200"/>
+                        <a:t>A</a:t>
+                      </a:r>
+                      <a:endParaRPr lang="ko-KR" altLang="en-US" sz="1200"/>
+                    </a:p>
+                  </a:txBody>
+                  <a:tcPr marL="59036" marR="59036" marT="29518" marB="29518">
+                    <a:lnL w="19050" cap="flat" cmpd="sng" algn="ctr">
+                      <a:solidFill>
+                        <a:schemeClr val="tx1"/>
+                      </a:solidFill>
+                      <a:prstDash val="solid"/>
+                      <a:round/>
+                      <a:headEnd type="none" w="med" len="med"/>
+                      <a:tailEnd type="none" w="med" len="med"/>
+                    </a:lnL>
+                    <a:lnR w="19050" cap="flat" cmpd="sng" algn="ctr">
+                      <a:solidFill>
+                        <a:schemeClr val="tx1"/>
+                      </a:solidFill>
+                      <a:prstDash val="solid"/>
+                      <a:round/>
+                      <a:headEnd type="none" w="med" len="med"/>
+                      <a:tailEnd type="none" w="med" len="med"/>
+                    </a:lnR>
+                    <a:lnT w="19050" cap="flat" cmpd="sng" algn="ctr">
+                      <a:solidFill>
+                        <a:schemeClr val="tx1"/>
+                      </a:solidFill>
+                      <a:prstDash val="solid"/>
+                      <a:round/>
+                      <a:headEnd type="none" w="med" len="med"/>
+                      <a:tailEnd type="none" w="med" len="med"/>
+                    </a:lnT>
+                    <a:lnB w="19050" cap="flat" cmpd="sng" algn="ctr">
+                      <a:solidFill>
+                        <a:schemeClr val="tx1"/>
+                      </a:solidFill>
+                      <a:prstDash val="solid"/>
+                      <a:round/>
+                      <a:headEnd type="none" w="med" len="med"/>
+                      <a:tailEnd type="none" w="med" len="med"/>
+                    </a:lnB>
+                    <a:lnTlToBr w="12700" cmpd="sng">
+                      <a:noFill/>
+                      <a:prstDash val="solid"/>
+                    </a:lnTlToBr>
+                    <a:lnBlToTr w="12700" cmpd="sng">
+                      <a:noFill/>
+                      <a:prstDash val="solid"/>
+                    </a:lnBlToTr>
+                  </a:tcPr>
+                </a:tc>
+                <a:tc>
+                  <a:txBody>
+                    <a:bodyPr/>
+                    <a:lstStyle/>
+                    <a:p>
+                      <a:pPr algn="ctr" latinLnBrk="1"/>
+                      <a:r>
+                        <a:rPr lang="en-US" altLang="ko-KR" sz="1200"/>
+                        <a:t>1</a:t>
+                      </a:r>
+                      <a:endParaRPr lang="ko-KR" altLang="en-US" sz="1200"/>
+                    </a:p>
+                  </a:txBody>
+                  <a:tcPr marL="59036" marR="59036" marT="29518" marB="29518">
+                    <a:lnL w="19050" cap="flat" cmpd="sng" algn="ctr">
+                      <a:solidFill>
+                        <a:schemeClr val="tx1"/>
+                      </a:solidFill>
+                      <a:prstDash val="solid"/>
+                      <a:round/>
+                      <a:headEnd type="none" w="med" len="med"/>
+                      <a:tailEnd type="none" w="med" len="med"/>
+                    </a:lnL>
+                    <a:lnR w="19050" cap="flat" cmpd="sng" algn="ctr">
+                      <a:solidFill>
+                        <a:schemeClr val="tx1"/>
+                      </a:solidFill>
+                      <a:prstDash val="solid"/>
+                      <a:round/>
+                      <a:headEnd type="none" w="med" len="med"/>
+                      <a:tailEnd type="none" w="med" len="med"/>
+                    </a:lnR>
+                    <a:lnT w="19050" cap="flat" cmpd="sng" algn="ctr">
+                      <a:solidFill>
+                        <a:schemeClr val="tx1"/>
+                      </a:solidFill>
+                      <a:prstDash val="solid"/>
+                      <a:round/>
+                      <a:headEnd type="none" w="med" len="med"/>
+                      <a:tailEnd type="none" w="med" len="med"/>
+                    </a:lnT>
+                    <a:lnB w="19050" cap="flat" cmpd="sng" algn="ctr">
+                      <a:solidFill>
+                        <a:schemeClr val="tx1"/>
+                      </a:solidFill>
+                      <a:prstDash val="solid"/>
+                      <a:round/>
+                      <a:headEnd type="none" w="med" len="med"/>
+                      <a:tailEnd type="none" w="med" len="med"/>
+                    </a:lnB>
+                    <a:lnTlToBr w="12700" cmpd="sng">
+                      <a:noFill/>
+                      <a:prstDash val="solid"/>
+                    </a:lnTlToBr>
+                    <a:lnBlToTr w="12700" cmpd="sng">
+                      <a:noFill/>
+                      <a:prstDash val="solid"/>
+                    </a:lnBlToTr>
+                  </a:tcPr>
+                </a:tc>
+                <a:extLst>
+                  <a:ext uri="{0D108BD9-81ED-4DB2-BD59-A6C34878D82A}">
+                    <a16:rowId xmlns:a16="http://schemas.microsoft.com/office/drawing/2014/main" val="2988943064"/>
+                  </a:ext>
+                </a:extLst>
+              </a:tr>
+              <a:tr h="239425">
+                <a:tc>
+                  <a:txBody>
+                    <a:bodyPr/>
+                    <a:lstStyle/>
+                    <a:p>
+                      <a:pPr algn="ctr" latinLnBrk="1"/>
+                      <a:r>
+                        <a:rPr lang="en-US" altLang="ko-KR" sz="1200"/>
+                        <a:t>C</a:t>
+                      </a:r>
+                      <a:endParaRPr lang="ko-KR" altLang="en-US" sz="1200"/>
+                    </a:p>
+                  </a:txBody>
+                  <a:tcPr marL="59036" marR="59036" marT="29518" marB="29518">
+                    <a:lnL w="19050" cap="flat" cmpd="sng" algn="ctr">
+                      <a:solidFill>
+                        <a:schemeClr val="tx1"/>
+                      </a:solidFill>
+                      <a:prstDash val="solid"/>
+                      <a:round/>
+                      <a:headEnd type="none" w="med" len="med"/>
+                      <a:tailEnd type="none" w="med" len="med"/>
+                    </a:lnL>
+                    <a:lnR w="19050" cap="flat" cmpd="sng" algn="ctr">
+                      <a:solidFill>
+                        <a:schemeClr val="tx1"/>
+                      </a:solidFill>
+                      <a:prstDash val="solid"/>
+                      <a:round/>
+                      <a:headEnd type="none" w="med" len="med"/>
+                      <a:tailEnd type="none" w="med" len="med"/>
+                    </a:lnR>
+                    <a:lnT w="19050" cap="flat" cmpd="sng" algn="ctr">
+                      <a:solidFill>
+                        <a:schemeClr val="tx1"/>
+                      </a:solidFill>
+                      <a:prstDash val="solid"/>
+                      <a:round/>
+                      <a:headEnd type="none" w="med" len="med"/>
+                      <a:tailEnd type="none" w="med" len="med"/>
+                    </a:lnT>
+                    <a:lnB w="19050" cap="flat" cmpd="sng" algn="ctr">
+                      <a:solidFill>
+                        <a:schemeClr val="tx1"/>
+                      </a:solidFill>
+                      <a:prstDash val="solid"/>
+                      <a:round/>
+                      <a:headEnd type="none" w="med" len="med"/>
+                      <a:tailEnd type="none" w="med" len="med"/>
+                    </a:lnB>
+                    <a:lnTlToBr w="12700" cmpd="sng">
+                      <a:noFill/>
+                      <a:prstDash val="solid"/>
+                    </a:lnTlToBr>
+                    <a:lnBlToTr w="12700" cmpd="sng">
+                      <a:noFill/>
+                      <a:prstDash val="solid"/>
+                    </a:lnBlToTr>
+                  </a:tcPr>
+                </a:tc>
+                <a:tc>
+                  <a:txBody>
+                    <a:bodyPr/>
+                    <a:lstStyle/>
+                    <a:p>
+                      <a:pPr algn="ctr" latinLnBrk="1"/>
+                      <a:r>
+                        <a:rPr lang="en-US" altLang="ko-KR" sz="1200"/>
+                        <a:t>A</a:t>
+                      </a:r>
+                      <a:endParaRPr lang="ko-KR" altLang="en-US" sz="1200"/>
+                    </a:p>
+                  </a:txBody>
+                  <a:tcPr marL="59036" marR="59036" marT="29518" marB="29518">
+                    <a:lnL w="19050" cap="flat" cmpd="sng" algn="ctr">
+                      <a:solidFill>
+                        <a:schemeClr val="tx1"/>
+                      </a:solidFill>
+                      <a:prstDash val="solid"/>
+                      <a:round/>
+                      <a:headEnd type="none" w="med" len="med"/>
+                      <a:tailEnd type="none" w="med" len="med"/>
+                    </a:lnL>
+                    <a:lnR w="19050" cap="flat" cmpd="sng" algn="ctr">
+                      <a:solidFill>
+                        <a:schemeClr val="tx1"/>
+                      </a:solidFill>
+                      <a:prstDash val="solid"/>
+                      <a:round/>
+                      <a:headEnd type="none" w="med" len="med"/>
+                      <a:tailEnd type="none" w="med" len="med"/>
+                    </a:lnR>
+                    <a:lnT w="19050" cap="flat" cmpd="sng" algn="ctr">
+                      <a:solidFill>
+                        <a:schemeClr val="tx1"/>
+                      </a:solidFill>
+                      <a:prstDash val="solid"/>
+                      <a:round/>
+                      <a:headEnd type="none" w="med" len="med"/>
+                      <a:tailEnd type="none" w="med" len="med"/>
+                    </a:lnT>
+                    <a:lnB w="19050" cap="flat" cmpd="sng" algn="ctr">
+                      <a:solidFill>
+                        <a:schemeClr val="tx1"/>
+                      </a:solidFill>
+                      <a:prstDash val="solid"/>
+                      <a:round/>
+                      <a:headEnd type="none" w="med" len="med"/>
+                      <a:tailEnd type="none" w="med" len="med"/>
+                    </a:lnB>
+                    <a:lnTlToBr w="12700" cmpd="sng">
+                      <a:noFill/>
+                      <a:prstDash val="solid"/>
+                    </a:lnTlToBr>
+                    <a:lnBlToTr w="12700" cmpd="sng">
+                      <a:noFill/>
+                      <a:prstDash val="solid"/>
+                    </a:lnBlToTr>
+                  </a:tcPr>
+                </a:tc>
+                <a:tc>
+                  <a:txBody>
+                    <a:bodyPr/>
+                    <a:lstStyle/>
+                    <a:p>
+                      <a:pPr algn="ctr" latinLnBrk="1"/>
+                      <a:r>
+                        <a:rPr lang="en-US" altLang="ko-KR" sz="1200" b="1">
+                          <a:solidFill>
+                            <a:srgbClr val="C00000"/>
+                          </a:solidFill>
+                        </a:rPr>
+                        <a:t>3</a:t>
+                      </a:r>
+                      <a:endParaRPr lang="ko-KR" altLang="en-US" sz="1200" b="1">
+                        <a:solidFill>
+                          <a:srgbClr val="C00000"/>
+                        </a:solidFill>
+                      </a:endParaRPr>
+                    </a:p>
+                  </a:txBody>
+                  <a:tcPr marL="59036" marR="59036" marT="29518" marB="29518">
+                    <a:lnL w="19050" cap="flat" cmpd="sng" algn="ctr">
+                      <a:solidFill>
+                        <a:schemeClr val="tx1"/>
+                      </a:solidFill>
+                      <a:prstDash val="solid"/>
+                      <a:round/>
+                      <a:headEnd type="none" w="med" len="med"/>
+                      <a:tailEnd type="none" w="med" len="med"/>
+                    </a:lnL>
+                    <a:lnR w="19050" cap="flat" cmpd="sng" algn="ctr">
+                      <a:solidFill>
+                        <a:schemeClr val="tx1"/>
+                      </a:solidFill>
+                      <a:prstDash val="solid"/>
+                      <a:round/>
+                      <a:headEnd type="none" w="med" len="med"/>
+                      <a:tailEnd type="none" w="med" len="med"/>
+                    </a:lnR>
+                    <a:lnT w="19050" cap="flat" cmpd="sng" algn="ctr">
+                      <a:solidFill>
+                        <a:schemeClr val="tx1"/>
+                      </a:solidFill>
+                      <a:prstDash val="solid"/>
+                      <a:round/>
+                      <a:headEnd type="none" w="med" len="med"/>
+                      <a:tailEnd type="none" w="med" len="med"/>
+                    </a:lnT>
+                    <a:lnB w="19050" cap="flat" cmpd="sng" algn="ctr">
+                      <a:solidFill>
+                        <a:schemeClr val="tx1"/>
+                      </a:solidFill>
+                      <a:prstDash val="solid"/>
+                      <a:round/>
+                      <a:headEnd type="none" w="med" len="med"/>
+                      <a:tailEnd type="none" w="med" len="med"/>
+                    </a:lnB>
+                    <a:lnTlToBr w="12700" cmpd="sng">
+                      <a:noFill/>
+                      <a:prstDash val="solid"/>
+                    </a:lnTlToBr>
+                    <a:lnBlToTr w="12700" cmpd="sng">
+                      <a:noFill/>
+                      <a:prstDash val="solid"/>
+                    </a:lnBlToTr>
+                  </a:tcPr>
+                </a:tc>
+                <a:extLst>
+                  <a:ext uri="{0D108BD9-81ED-4DB2-BD59-A6C34878D82A}">
+                    <a16:rowId xmlns:a16="http://schemas.microsoft.com/office/drawing/2014/main" val="2151023030"/>
+                  </a:ext>
+                </a:extLst>
+              </a:tr>
+            </a:tbl>
+          </a:graphicData>
+        </a:graphic>
+      </p:graphicFrame>
+      <p:sp>
+        <p:nvSpPr>
+          <p:cNvPr id="53" name="TextBox 52">
+            <a:extLst>
+              <a:ext uri="{FF2B5EF4-FFF2-40B4-BE49-F238E27FC236}">
+                <a16:creationId xmlns:a16="http://schemas.microsoft.com/office/drawing/2014/main" id="{BC86A35B-5FDE-459D-839E-8EAAE6265F9D}"/>
+              </a:ext>
+            </a:extLst>
+          </p:cNvPr>
+          <p:cNvSpPr txBox="1"/>
+          <p:nvPr/>
+        </p:nvSpPr>
+        <p:spPr>
+          <a:xfrm>
+            <a:off x="2026173" y="2463600"/>
+            <a:ext cx="1119217" cy="307777"/>
+          </a:xfrm>
+          <a:prstGeom prst="rect">
+            <a:avLst/>
+          </a:prstGeom>
+          <a:noFill/>
+        </p:spPr>
+        <p:txBody>
+          <a:bodyPr wrap="none" rtlCol="0">
+            <a:spAutoFit/>
+          </a:bodyPr>
+          <a:lstStyle/>
+          <a:p>
+            <a:pPr algn="ctr"/>
+            <a:r>
+              <a:rPr lang="en-US" altLang="ko-KR" sz="1400"/>
+              <a:t>B – 1, C - 2</a:t>
+            </a:r>
+            <a:endParaRPr lang="ko-KR" altLang="en-US" sz="1400"/>
+          </a:p>
+        </p:txBody>
+      </p:sp>
+      <p:sp>
+        <p:nvSpPr>
+          <p:cNvPr id="54" name="타원 53">
+            <a:extLst>
+              <a:ext uri="{FF2B5EF4-FFF2-40B4-BE49-F238E27FC236}">
+                <a16:creationId xmlns:a16="http://schemas.microsoft.com/office/drawing/2014/main" id="{47BDC076-9659-4EEB-9A07-C15352485150}"/>
+              </a:ext>
+            </a:extLst>
+          </p:cNvPr>
+          <p:cNvSpPr/>
+          <p:nvPr/>
+        </p:nvSpPr>
+        <p:spPr>
+          <a:xfrm>
+            <a:off x="7307362" y="1900099"/>
+            <a:ext cx="360040" cy="360040"/>
+          </a:xfrm>
+          <a:prstGeom prst="ellipse">
+            <a:avLst/>
+          </a:prstGeom>
+        </p:spPr>
+        <p:style>
+          <a:lnRef idx="2">
+            <a:schemeClr val="dk1"/>
+          </a:lnRef>
+          <a:fillRef idx="1">
+            <a:schemeClr val="lt1"/>
+          </a:fillRef>
+          <a:effectRef idx="0">
+            <a:schemeClr val="dk1"/>
+          </a:effectRef>
+          <a:fontRef idx="minor">
+            <a:schemeClr val="dk1"/>
+          </a:fontRef>
+        </p:style>
+        <p:txBody>
+          <a:bodyPr rtlCol="0" anchor="ctr"/>
+          <a:lstStyle/>
+          <a:p>
+            <a:pPr algn="ctr"/>
+            <a:r>
+              <a:rPr lang="en-US" altLang="ko-KR" sz="1600"/>
+              <a:t>A</a:t>
+            </a:r>
+            <a:endParaRPr lang="ko-KR" altLang="en-US" sz="1600"/>
+          </a:p>
+        </p:txBody>
+      </p:sp>
+      <p:sp>
+        <p:nvSpPr>
+          <p:cNvPr id="55" name="타원 54">
+            <a:extLst>
+              <a:ext uri="{FF2B5EF4-FFF2-40B4-BE49-F238E27FC236}">
+                <a16:creationId xmlns:a16="http://schemas.microsoft.com/office/drawing/2014/main" id="{1CBD3CFF-CDC4-46AF-AF6D-4CF0ADB98E73}"/>
+              </a:ext>
+            </a:extLst>
+          </p:cNvPr>
+          <p:cNvSpPr/>
+          <p:nvPr/>
+        </p:nvSpPr>
+        <p:spPr>
+          <a:xfrm>
+            <a:off x="7307362" y="3027102"/>
+            <a:ext cx="360040" cy="360040"/>
+          </a:xfrm>
+          <a:prstGeom prst="ellipse">
+            <a:avLst/>
+          </a:prstGeom>
+        </p:spPr>
+        <p:style>
+          <a:lnRef idx="2">
+            <a:schemeClr val="dk1"/>
+          </a:lnRef>
+          <a:fillRef idx="1">
+            <a:schemeClr val="lt1"/>
+          </a:fillRef>
+          <a:effectRef idx="0">
+            <a:schemeClr val="dk1"/>
+          </a:effectRef>
+          <a:fontRef idx="minor">
+            <a:schemeClr val="dk1"/>
+          </a:fontRef>
+        </p:style>
+        <p:txBody>
+          <a:bodyPr rtlCol="0" anchor="ctr"/>
+          <a:lstStyle/>
+          <a:p>
+            <a:pPr algn="ctr"/>
+            <a:r>
+              <a:rPr lang="en-US" altLang="ko-KR" sz="1600"/>
+              <a:t>B</a:t>
+            </a:r>
+            <a:endParaRPr lang="ko-KR" altLang="en-US" sz="1600"/>
+          </a:p>
+        </p:txBody>
+      </p:sp>
+      <p:sp>
+        <p:nvSpPr>
+          <p:cNvPr id="56" name="타원 55">
+            <a:extLst>
+              <a:ext uri="{FF2B5EF4-FFF2-40B4-BE49-F238E27FC236}">
+                <a16:creationId xmlns:a16="http://schemas.microsoft.com/office/drawing/2014/main" id="{F5F96A78-F76B-4C42-9BC4-A02DE4547529}"/>
+              </a:ext>
+            </a:extLst>
+          </p:cNvPr>
+          <p:cNvSpPr/>
+          <p:nvPr/>
+        </p:nvSpPr>
+        <p:spPr>
+          <a:xfrm>
+            <a:off x="8172399" y="2463600"/>
+            <a:ext cx="360040" cy="360040"/>
+          </a:xfrm>
+          <a:prstGeom prst="ellipse">
+            <a:avLst/>
+          </a:prstGeom>
+        </p:spPr>
+        <p:style>
+          <a:lnRef idx="2">
+            <a:schemeClr val="dk1"/>
+          </a:lnRef>
+          <a:fillRef idx="1">
+            <a:schemeClr val="lt1"/>
+          </a:fillRef>
+          <a:effectRef idx="0">
+            <a:schemeClr val="dk1"/>
+          </a:effectRef>
+          <a:fontRef idx="minor">
+            <a:schemeClr val="dk1"/>
+          </a:fontRef>
+        </p:style>
+        <p:txBody>
+          <a:bodyPr rtlCol="0" anchor="ctr"/>
+          <a:lstStyle/>
+          <a:p>
+            <a:pPr algn="ctr"/>
+            <a:r>
+              <a:rPr lang="en-US" altLang="ko-KR" sz="1600"/>
+              <a:t>C</a:t>
+            </a:r>
+            <a:endParaRPr lang="ko-KR" altLang="en-US" sz="1600"/>
+          </a:p>
+        </p:txBody>
+      </p:sp>
+      <p:cxnSp>
+        <p:nvCxnSpPr>
+          <p:cNvPr id="57" name="직선 연결선 56">
+            <a:extLst>
+              <a:ext uri="{FF2B5EF4-FFF2-40B4-BE49-F238E27FC236}">
+                <a16:creationId xmlns:a16="http://schemas.microsoft.com/office/drawing/2014/main" id="{1555401A-3C14-4686-9A24-DFBAE7E9ED0A}"/>
+              </a:ext>
+            </a:extLst>
+          </p:cNvPr>
+          <p:cNvCxnSpPr>
+            <a:cxnSpLocks/>
+            <a:stCxn id="54" idx="6"/>
+            <a:endCxn id="56" idx="2"/>
+          </p:cNvCxnSpPr>
+          <p:nvPr/>
+        </p:nvCxnSpPr>
+        <p:spPr>
+          <a:xfrm>
+            <a:off x="7667402" y="2080119"/>
+            <a:ext cx="504997" cy="563501"/>
+          </a:xfrm>
+          <a:prstGeom prst="line">
+            <a:avLst/>
+          </a:prstGeom>
+          <a:ln w="28575">
+            <a:solidFill>
+              <a:schemeClr val="tx1"/>
+            </a:solidFill>
+          </a:ln>
+        </p:spPr>
+        <p:style>
+          <a:lnRef idx="1">
+            <a:schemeClr val="accent1"/>
+          </a:lnRef>
+          <a:fillRef idx="0">
+            <a:schemeClr val="accent1"/>
+          </a:fillRef>
+          <a:effectRef idx="0">
+            <a:schemeClr val="accent1"/>
+          </a:effectRef>
+          <a:fontRef idx="minor">
+            <a:schemeClr val="tx1"/>
+          </a:fontRef>
+        </p:style>
+      </p:cxnSp>
+      <p:cxnSp>
+        <p:nvCxnSpPr>
+          <p:cNvPr id="58" name="직선 연결선 57">
+            <a:extLst>
+              <a:ext uri="{FF2B5EF4-FFF2-40B4-BE49-F238E27FC236}">
+                <a16:creationId xmlns:a16="http://schemas.microsoft.com/office/drawing/2014/main" id="{38C1CE4A-2673-4119-9AF8-66FEECF24AD8}"/>
+              </a:ext>
+            </a:extLst>
+          </p:cNvPr>
+          <p:cNvCxnSpPr>
+            <a:cxnSpLocks/>
+            <a:stCxn id="55" idx="6"/>
+            <a:endCxn id="56" idx="2"/>
+          </p:cNvCxnSpPr>
+          <p:nvPr/>
+        </p:nvCxnSpPr>
+        <p:spPr>
+          <a:xfrm flipV="1">
+            <a:off x="7667402" y="2643620"/>
+            <a:ext cx="504997" cy="563502"/>
+          </a:xfrm>
+          <a:prstGeom prst="line">
+            <a:avLst/>
+          </a:prstGeom>
+          <a:ln w="28575">
+            <a:solidFill>
+              <a:schemeClr val="tx1"/>
+            </a:solidFill>
+          </a:ln>
+        </p:spPr>
+        <p:style>
+          <a:lnRef idx="1">
+            <a:schemeClr val="accent1"/>
+          </a:lnRef>
+          <a:fillRef idx="0">
+            <a:schemeClr val="accent1"/>
+          </a:fillRef>
+          <a:effectRef idx="0">
+            <a:schemeClr val="accent1"/>
+          </a:effectRef>
+          <a:fontRef idx="minor">
+            <a:schemeClr val="tx1"/>
+          </a:fontRef>
+        </p:style>
+      </p:cxnSp>
+      <p:cxnSp>
+        <p:nvCxnSpPr>
+          <p:cNvPr id="59" name="직선 연결선 58">
+            <a:extLst>
+              <a:ext uri="{FF2B5EF4-FFF2-40B4-BE49-F238E27FC236}">
+                <a16:creationId xmlns:a16="http://schemas.microsoft.com/office/drawing/2014/main" id="{56C6335A-319B-4929-AA3F-94D0417D58EC}"/>
+              </a:ext>
+            </a:extLst>
+          </p:cNvPr>
+          <p:cNvCxnSpPr>
+            <a:cxnSpLocks/>
+            <a:stCxn id="55" idx="0"/>
+            <a:endCxn id="54" idx="4"/>
+          </p:cNvCxnSpPr>
+          <p:nvPr/>
+        </p:nvCxnSpPr>
+        <p:spPr>
+          <a:xfrm flipV="1">
+            <a:off x="7487382" y="2260139"/>
+            <a:ext cx="0" cy="766963"/>
+          </a:xfrm>
+          <a:prstGeom prst="line">
+            <a:avLst/>
+          </a:prstGeom>
+          <a:ln w="28575">
+            <a:solidFill>
+              <a:schemeClr val="tx1"/>
+            </a:solidFill>
+          </a:ln>
+        </p:spPr>
+        <p:style>
+          <a:lnRef idx="1">
+            <a:schemeClr val="accent1"/>
+          </a:lnRef>
+          <a:fillRef idx="0">
+            <a:schemeClr val="accent1"/>
+          </a:fillRef>
+          <a:effectRef idx="0">
+            <a:schemeClr val="accent1"/>
+          </a:effectRef>
+          <a:fontRef idx="minor">
+            <a:schemeClr val="tx1"/>
+          </a:fontRef>
+        </p:style>
+      </p:cxnSp>
+      <p:sp>
+        <p:nvSpPr>
+          <p:cNvPr id="60" name="TextBox 59">
+            <a:extLst>
+              <a:ext uri="{FF2B5EF4-FFF2-40B4-BE49-F238E27FC236}">
+                <a16:creationId xmlns:a16="http://schemas.microsoft.com/office/drawing/2014/main" id="{D69D23D6-7687-4F60-98EF-A7788A43E084}"/>
+              </a:ext>
+            </a:extLst>
+          </p:cNvPr>
+          <p:cNvSpPr txBox="1"/>
+          <p:nvPr/>
+        </p:nvSpPr>
+        <p:spPr>
+          <a:xfrm>
+            <a:off x="7452318" y="2466290"/>
+            <a:ext cx="284052" cy="307777"/>
+          </a:xfrm>
+          <a:prstGeom prst="rect">
+            <a:avLst/>
+          </a:prstGeom>
+          <a:noFill/>
+        </p:spPr>
+        <p:txBody>
+          <a:bodyPr wrap="none" rtlCol="0">
+            <a:spAutoFit/>
+          </a:bodyPr>
+          <a:lstStyle/>
+          <a:p>
+            <a:pPr algn="ctr"/>
+            <a:r>
+              <a:rPr lang="en-US" altLang="ko-KR" sz="1400"/>
+              <a:t>1</a:t>
+            </a:r>
+            <a:endParaRPr lang="ko-KR" altLang="en-US" sz="1400"/>
+          </a:p>
+        </p:txBody>
+      </p:sp>
+      <p:sp>
+        <p:nvSpPr>
+          <p:cNvPr id="61" name="TextBox 60">
+            <a:extLst>
+              <a:ext uri="{FF2B5EF4-FFF2-40B4-BE49-F238E27FC236}">
+                <a16:creationId xmlns:a16="http://schemas.microsoft.com/office/drawing/2014/main" id="{D21474AE-8E59-4A8F-8730-4F0B7027F950}"/>
+              </a:ext>
+            </a:extLst>
+          </p:cNvPr>
+          <p:cNvSpPr txBox="1"/>
+          <p:nvPr/>
+        </p:nvSpPr>
+        <p:spPr>
+          <a:xfrm>
+            <a:off x="7812359" y="2898969"/>
+            <a:ext cx="284052" cy="307777"/>
+          </a:xfrm>
+          <a:prstGeom prst="rect">
+            <a:avLst/>
+          </a:prstGeom>
+          <a:noFill/>
+        </p:spPr>
+        <p:txBody>
+          <a:bodyPr wrap="none" rtlCol="0">
+            <a:spAutoFit/>
+          </a:bodyPr>
+          <a:lstStyle/>
+          <a:p>
+            <a:pPr algn="ctr"/>
+            <a:r>
+              <a:rPr lang="en-US" altLang="ko-KR" sz="1400"/>
+              <a:t>2</a:t>
+            </a:r>
+            <a:endParaRPr lang="ko-KR" altLang="en-US" sz="1400"/>
+          </a:p>
+        </p:txBody>
+      </p:sp>
+      <p:sp>
+        <p:nvSpPr>
+          <p:cNvPr id="62" name="TextBox 61">
+            <a:extLst>
+              <a:ext uri="{FF2B5EF4-FFF2-40B4-BE49-F238E27FC236}">
+                <a16:creationId xmlns:a16="http://schemas.microsoft.com/office/drawing/2014/main" id="{2EE3513F-1D10-417A-9E82-C636726653C3}"/>
+              </a:ext>
+            </a:extLst>
+          </p:cNvPr>
+          <p:cNvSpPr txBox="1"/>
+          <p:nvPr/>
+        </p:nvSpPr>
+        <p:spPr>
+          <a:xfrm>
+            <a:off x="7812359" y="2054092"/>
+            <a:ext cx="284052" cy="307777"/>
+          </a:xfrm>
+          <a:prstGeom prst="rect">
+            <a:avLst/>
+          </a:prstGeom>
+          <a:noFill/>
+        </p:spPr>
+        <p:txBody>
+          <a:bodyPr wrap="none" rtlCol="0">
+            <a:spAutoFit/>
+          </a:bodyPr>
+          <a:lstStyle/>
+          <a:p>
+            <a:pPr algn="ctr"/>
+            <a:r>
+              <a:rPr lang="en-US" altLang="ko-KR" sz="1400"/>
+              <a:t>3</a:t>
+            </a:r>
+            <a:endParaRPr lang="ko-KR" altLang="en-US" sz="1400"/>
+          </a:p>
+        </p:txBody>
+      </p:sp>
+      <p:cxnSp>
+        <p:nvCxnSpPr>
+          <p:cNvPr id="63" name="직선 연결선 62">
+            <a:extLst>
+              <a:ext uri="{FF2B5EF4-FFF2-40B4-BE49-F238E27FC236}">
+                <a16:creationId xmlns:a16="http://schemas.microsoft.com/office/drawing/2014/main" id="{8B8F75D1-D730-4A75-B8CC-4898716C744F}"/>
+              </a:ext>
+            </a:extLst>
+          </p:cNvPr>
+          <p:cNvCxnSpPr>
+            <a:cxnSpLocks/>
+          </p:cNvCxnSpPr>
+          <p:nvPr/>
+        </p:nvCxnSpPr>
+        <p:spPr>
+          <a:xfrm flipH="1" flipV="1">
+            <a:off x="8172399" y="2463600"/>
+            <a:ext cx="360041" cy="360041"/>
+          </a:xfrm>
+          <a:prstGeom prst="line">
+            <a:avLst/>
+          </a:prstGeom>
+          <a:ln w="28575">
+            <a:solidFill>
+              <a:schemeClr val="tx1"/>
+            </a:solidFill>
+          </a:ln>
+        </p:spPr>
+        <p:style>
+          <a:lnRef idx="1">
+            <a:schemeClr val="accent1"/>
+          </a:lnRef>
+          <a:fillRef idx="0">
+            <a:schemeClr val="accent1"/>
+          </a:fillRef>
+          <a:effectRef idx="0">
+            <a:schemeClr val="accent1"/>
+          </a:effectRef>
+          <a:fontRef idx="minor">
+            <a:schemeClr val="tx1"/>
+          </a:fontRef>
+        </p:style>
+      </p:cxnSp>
+      <p:cxnSp>
+        <p:nvCxnSpPr>
+          <p:cNvPr id="64" name="직선 연결선 63">
+            <a:extLst>
+              <a:ext uri="{FF2B5EF4-FFF2-40B4-BE49-F238E27FC236}">
+                <a16:creationId xmlns:a16="http://schemas.microsoft.com/office/drawing/2014/main" id="{8BAF74A1-8732-4D46-81FC-62BF427F2662}"/>
+              </a:ext>
+            </a:extLst>
+          </p:cNvPr>
+          <p:cNvCxnSpPr>
+            <a:cxnSpLocks/>
+          </p:cNvCxnSpPr>
+          <p:nvPr/>
+        </p:nvCxnSpPr>
+        <p:spPr>
+          <a:xfrm flipV="1">
+            <a:off x="8172399" y="2463601"/>
+            <a:ext cx="360040" cy="360039"/>
+          </a:xfrm>
+          <a:prstGeom prst="line">
+            <a:avLst/>
+          </a:prstGeom>
+          <a:ln w="28575">
+            <a:solidFill>
+              <a:schemeClr val="tx1"/>
+            </a:solidFill>
+          </a:ln>
+        </p:spPr>
+        <p:style>
+          <a:lnRef idx="1">
+            <a:schemeClr val="accent1"/>
+          </a:lnRef>
+          <a:fillRef idx="0">
+            <a:schemeClr val="accent1"/>
+          </a:fillRef>
+          <a:effectRef idx="0">
+            <a:schemeClr val="accent1"/>
+          </a:effectRef>
+          <a:fontRef idx="minor">
+            <a:schemeClr val="tx1"/>
+          </a:fontRef>
+        </p:style>
+      </p:cxnSp>
+      <p:cxnSp>
+        <p:nvCxnSpPr>
+          <p:cNvPr id="65" name="직선 화살표 연결선 64">
+            <a:extLst>
+              <a:ext uri="{FF2B5EF4-FFF2-40B4-BE49-F238E27FC236}">
+                <a16:creationId xmlns:a16="http://schemas.microsoft.com/office/drawing/2014/main" id="{23B2DA63-5863-4FB9-B950-0EFC23433B91}"/>
+              </a:ext>
+            </a:extLst>
+          </p:cNvPr>
+          <p:cNvCxnSpPr/>
+          <p:nvPr/>
+        </p:nvCxnSpPr>
+        <p:spPr>
+          <a:xfrm>
+            <a:off x="7380312" y="2361869"/>
+            <a:ext cx="0" cy="537100"/>
+          </a:xfrm>
+          <a:prstGeom prst="straightConnector1">
+            <a:avLst/>
+          </a:prstGeom>
+          <a:ln w="28575">
+            <a:solidFill>
+              <a:schemeClr val="tx1"/>
+            </a:solidFill>
+            <a:headEnd type="arrow" w="med" len="med"/>
+            <a:tailEnd type="none" w="med" len="med"/>
+          </a:ln>
+        </p:spPr>
+        <p:style>
+          <a:lnRef idx="1">
+            <a:schemeClr val="accent1"/>
+          </a:lnRef>
+          <a:fillRef idx="0">
+            <a:schemeClr val="accent1"/>
+          </a:fillRef>
+          <a:effectRef idx="0">
+            <a:schemeClr val="accent1"/>
+          </a:effectRef>
+          <a:fontRef idx="minor">
+            <a:schemeClr val="tx1"/>
+          </a:fontRef>
+        </p:style>
+      </p:cxnSp>
+      <p:graphicFrame>
+        <p:nvGraphicFramePr>
+          <p:cNvPr id="66" name="표 65">
+            <a:extLst>
+              <a:ext uri="{FF2B5EF4-FFF2-40B4-BE49-F238E27FC236}">
+                <a16:creationId xmlns:a16="http://schemas.microsoft.com/office/drawing/2014/main" id="{53366D66-402E-410E-9B1B-9E81A0E93BAE}"/>
+              </a:ext>
+            </a:extLst>
+          </p:cNvPr>
+          <p:cNvGraphicFramePr>
+            <a:graphicFrameLocks noGrp="1"/>
+          </p:cNvGraphicFramePr>
+          <p:nvPr>
+            <p:extLst>
+              <p:ext uri="{D42A27DB-BD31-4B8C-83A1-F6EECF244321}">
+                <p14:modId xmlns:p14="http://schemas.microsoft.com/office/powerpoint/2010/main" val="1373758697"/>
+              </p:ext>
+            </p:extLst>
+          </p:nvPr>
+        </p:nvGraphicFramePr>
+        <p:xfrm>
+          <a:off x="4978501" y="1563638"/>
+          <a:ext cx="2183904" cy="725748"/>
+        </p:xfrm>
+        <a:graphic>
+          <a:graphicData uri="http://schemas.openxmlformats.org/drawingml/2006/table">
+            <a:tbl>
+              <a:tblPr firstRow="1" bandRow="1">
+                <a:tableStyleId>{5940675A-B579-460E-94D1-54222C63F5DA}</a:tableStyleId>
+              </a:tblPr>
+              <a:tblGrid>
+                <a:gridCol w="675717">
+                  <a:extLst>
+                    <a:ext uri="{9D8B030D-6E8A-4147-A177-3AD203B41FA5}">
+                      <a16:colId xmlns:a16="http://schemas.microsoft.com/office/drawing/2014/main" val="1516707845"/>
+                    </a:ext>
+                  </a:extLst>
+                </a:gridCol>
+                <a:gridCol w="837396">
+                  <a:extLst>
+                    <a:ext uri="{9D8B030D-6E8A-4147-A177-3AD203B41FA5}">
+                      <a16:colId xmlns:a16="http://schemas.microsoft.com/office/drawing/2014/main" val="3467385854"/>
+                    </a:ext>
+                  </a:extLst>
+                </a:gridCol>
+                <a:gridCol w="670791">
+                  <a:extLst>
+                    <a:ext uri="{9D8B030D-6E8A-4147-A177-3AD203B41FA5}">
+                      <a16:colId xmlns:a16="http://schemas.microsoft.com/office/drawing/2014/main" val="4256211802"/>
+                    </a:ext>
+                  </a:extLst>
+                </a:gridCol>
+              </a:tblGrid>
+              <a:tr h="239425">
+                <a:tc>
+                  <a:txBody>
+                    <a:bodyPr/>
+                    <a:lstStyle/>
+                    <a:p>
+                      <a:pPr algn="ctr" latinLnBrk="1"/>
+                      <a:r>
+                        <a:rPr lang="en-US" altLang="ko-KR" sz="1200"/>
+                        <a:t>Dest</a:t>
+                      </a:r>
+                      <a:endParaRPr lang="ko-KR" altLang="en-US" sz="1200"/>
+                    </a:p>
+                  </a:txBody>
+                  <a:tcPr marL="59036" marR="59036" marT="29518" marB="29518">
+                    <a:lnL w="19050" cap="flat" cmpd="sng" algn="ctr">
+                      <a:solidFill>
+                        <a:schemeClr val="tx1"/>
+                      </a:solidFill>
+                      <a:prstDash val="solid"/>
+                      <a:round/>
+                      <a:headEnd type="none" w="med" len="med"/>
+                      <a:tailEnd type="none" w="med" len="med"/>
+                    </a:lnL>
+                    <a:lnR w="19050" cap="flat" cmpd="sng" algn="ctr">
+                      <a:solidFill>
+                        <a:schemeClr val="tx1"/>
+                      </a:solidFill>
+                      <a:prstDash val="solid"/>
+                      <a:round/>
+                      <a:headEnd type="none" w="med" len="med"/>
+                      <a:tailEnd type="none" w="med" len="med"/>
+                    </a:lnR>
+                    <a:lnT w="19050" cap="flat" cmpd="sng" algn="ctr">
+                      <a:solidFill>
+                        <a:schemeClr val="tx1"/>
+                      </a:solidFill>
+                      <a:prstDash val="solid"/>
+                      <a:round/>
+                      <a:headEnd type="none" w="med" len="med"/>
+                      <a:tailEnd type="none" w="med" len="med"/>
+                    </a:lnT>
+                    <a:lnB w="19050" cap="flat" cmpd="sng" algn="ctr">
+                      <a:solidFill>
+                        <a:schemeClr val="tx1"/>
+                      </a:solidFill>
+                      <a:prstDash val="solid"/>
+                      <a:round/>
+                      <a:headEnd type="none" w="med" len="med"/>
+                      <a:tailEnd type="none" w="med" len="med"/>
+                    </a:lnB>
+                    <a:lnTlToBr w="12700" cmpd="sng">
+                      <a:noFill/>
+                      <a:prstDash val="solid"/>
+                    </a:lnTlToBr>
+                    <a:lnBlToTr w="12700" cmpd="sng">
+                      <a:noFill/>
+                      <a:prstDash val="solid"/>
+                    </a:lnBlToTr>
+                  </a:tcPr>
+                </a:tc>
+                <a:tc>
+                  <a:txBody>
+                    <a:bodyPr/>
+                    <a:lstStyle/>
+                    <a:p>
+                      <a:pPr algn="ctr" latinLnBrk="1"/>
+                      <a:r>
+                        <a:rPr lang="en-US" altLang="ko-KR" sz="1200"/>
+                        <a:t>Next Hop</a:t>
+                      </a:r>
+                      <a:endParaRPr lang="ko-KR" altLang="en-US" sz="1200"/>
+                    </a:p>
+                  </a:txBody>
+                  <a:tcPr marL="59036" marR="59036" marT="29518" marB="29518">
+                    <a:lnL w="19050" cap="flat" cmpd="sng" algn="ctr">
+                      <a:solidFill>
+                        <a:schemeClr val="tx1"/>
+                      </a:solidFill>
+                      <a:prstDash val="solid"/>
+                      <a:round/>
+                      <a:headEnd type="none" w="med" len="med"/>
+                      <a:tailEnd type="none" w="med" len="med"/>
+                    </a:lnL>
+                    <a:lnR w="19050" cap="flat" cmpd="sng" algn="ctr">
+                      <a:solidFill>
+                        <a:schemeClr val="tx1"/>
+                      </a:solidFill>
+                      <a:prstDash val="solid"/>
+                      <a:round/>
+                      <a:headEnd type="none" w="med" len="med"/>
+                      <a:tailEnd type="none" w="med" len="med"/>
+                    </a:lnR>
+                    <a:lnT w="19050" cap="flat" cmpd="sng" algn="ctr">
+                      <a:solidFill>
+                        <a:schemeClr val="tx1"/>
+                      </a:solidFill>
+                      <a:prstDash val="solid"/>
+                      <a:round/>
+                      <a:headEnd type="none" w="med" len="med"/>
+                      <a:tailEnd type="none" w="med" len="med"/>
+                    </a:lnT>
+                    <a:lnB w="19050" cap="flat" cmpd="sng" algn="ctr">
+                      <a:solidFill>
+                        <a:schemeClr val="tx1"/>
+                      </a:solidFill>
+                      <a:prstDash val="solid"/>
+                      <a:round/>
+                      <a:headEnd type="none" w="med" len="med"/>
+                      <a:tailEnd type="none" w="med" len="med"/>
+                    </a:lnB>
+                    <a:lnTlToBr w="12700" cmpd="sng">
+                      <a:noFill/>
+                      <a:prstDash val="solid"/>
+                    </a:lnTlToBr>
+                    <a:lnBlToTr w="12700" cmpd="sng">
+                      <a:noFill/>
+                      <a:prstDash val="solid"/>
+                    </a:lnBlToTr>
+                  </a:tcPr>
+                </a:tc>
+                <a:tc>
+                  <a:txBody>
+                    <a:bodyPr/>
+                    <a:lstStyle/>
+                    <a:p>
+                      <a:pPr algn="ctr" latinLnBrk="1"/>
+                      <a:r>
+                        <a:rPr lang="en-US" altLang="ko-KR" sz="1200"/>
+                        <a:t>Cost</a:t>
+                      </a:r>
+                      <a:endParaRPr lang="ko-KR" altLang="en-US" sz="1200"/>
+                    </a:p>
+                  </a:txBody>
+                  <a:tcPr marL="59036" marR="59036" marT="29518" marB="29518">
+                    <a:lnL w="19050" cap="flat" cmpd="sng" algn="ctr">
+                      <a:solidFill>
+                        <a:schemeClr val="tx1"/>
+                      </a:solidFill>
+                      <a:prstDash val="solid"/>
+                      <a:round/>
+                      <a:headEnd type="none" w="med" len="med"/>
+                      <a:tailEnd type="none" w="med" len="med"/>
+                    </a:lnL>
+                    <a:lnR w="19050" cap="flat" cmpd="sng" algn="ctr">
+                      <a:solidFill>
+                        <a:schemeClr val="tx1"/>
+                      </a:solidFill>
+                      <a:prstDash val="solid"/>
+                      <a:round/>
+                      <a:headEnd type="none" w="med" len="med"/>
+                      <a:tailEnd type="none" w="med" len="med"/>
+                    </a:lnR>
+                    <a:lnT w="19050" cap="flat" cmpd="sng" algn="ctr">
+                      <a:solidFill>
+                        <a:schemeClr val="tx1"/>
+                      </a:solidFill>
+                      <a:prstDash val="solid"/>
+                      <a:round/>
+                      <a:headEnd type="none" w="med" len="med"/>
+                      <a:tailEnd type="none" w="med" len="med"/>
+                    </a:lnT>
+                    <a:lnB w="19050" cap="flat" cmpd="sng" algn="ctr">
+                      <a:solidFill>
+                        <a:schemeClr val="tx1"/>
+                      </a:solidFill>
+                      <a:prstDash val="solid"/>
+                      <a:round/>
+                      <a:headEnd type="none" w="med" len="med"/>
+                      <a:tailEnd type="none" w="med" len="med"/>
+                    </a:lnB>
+                    <a:lnTlToBr w="12700" cmpd="sng">
+                      <a:noFill/>
+                      <a:prstDash val="solid"/>
+                    </a:lnTlToBr>
+                    <a:lnBlToTr w="12700" cmpd="sng">
+                      <a:noFill/>
+                      <a:prstDash val="solid"/>
+                    </a:lnBlToTr>
+                  </a:tcPr>
+                </a:tc>
+                <a:extLst>
+                  <a:ext uri="{0D108BD9-81ED-4DB2-BD59-A6C34878D82A}">
+                    <a16:rowId xmlns:a16="http://schemas.microsoft.com/office/drawing/2014/main" val="2069835679"/>
+                  </a:ext>
+                </a:extLst>
+              </a:tr>
+              <a:tr h="239425">
+                <a:tc>
+                  <a:txBody>
+                    <a:bodyPr/>
+                    <a:lstStyle/>
+                    <a:p>
+                      <a:pPr algn="ctr" latinLnBrk="1"/>
+                      <a:r>
+                        <a:rPr lang="en-US" altLang="ko-KR" sz="1200"/>
+                        <a:t>B</a:t>
+                      </a:r>
+                      <a:endParaRPr lang="ko-KR" altLang="en-US" sz="1200"/>
+                    </a:p>
+                  </a:txBody>
+                  <a:tcPr marL="59036" marR="59036" marT="29518" marB="29518">
+                    <a:lnL w="19050" cap="flat" cmpd="sng" algn="ctr">
+                      <a:solidFill>
+                        <a:schemeClr val="tx1"/>
+                      </a:solidFill>
+                      <a:prstDash val="solid"/>
+                      <a:round/>
+                      <a:headEnd type="none" w="med" len="med"/>
+                      <a:tailEnd type="none" w="med" len="med"/>
+                    </a:lnL>
+                    <a:lnR w="19050" cap="flat" cmpd="sng" algn="ctr">
+                      <a:solidFill>
+                        <a:schemeClr val="tx1"/>
+                      </a:solidFill>
+                      <a:prstDash val="solid"/>
+                      <a:round/>
+                      <a:headEnd type="none" w="med" len="med"/>
+                      <a:tailEnd type="none" w="med" len="med"/>
+                    </a:lnR>
+                    <a:lnT w="19050" cap="flat" cmpd="sng" algn="ctr">
+                      <a:solidFill>
+                        <a:schemeClr val="tx1"/>
+                      </a:solidFill>
+                      <a:prstDash val="solid"/>
+                      <a:round/>
+                      <a:headEnd type="none" w="med" len="med"/>
+                      <a:tailEnd type="none" w="med" len="med"/>
+                    </a:lnT>
+                    <a:lnB w="19050" cap="flat" cmpd="sng" algn="ctr">
+                      <a:solidFill>
+                        <a:schemeClr val="tx1"/>
+                      </a:solidFill>
+                      <a:prstDash val="solid"/>
+                      <a:round/>
+                      <a:headEnd type="none" w="med" len="med"/>
+                      <a:tailEnd type="none" w="med" len="med"/>
+                    </a:lnB>
+                    <a:lnTlToBr w="12700" cmpd="sng">
+                      <a:noFill/>
+                      <a:prstDash val="solid"/>
+                    </a:lnTlToBr>
+                    <a:lnBlToTr w="12700" cmpd="sng">
+                      <a:noFill/>
+                      <a:prstDash val="solid"/>
+                    </a:lnBlToTr>
+                  </a:tcPr>
+                </a:tc>
+                <a:tc>
+                  <a:txBody>
+                    <a:bodyPr/>
+                    <a:lstStyle/>
+                    <a:p>
+                      <a:pPr algn="ctr" latinLnBrk="1"/>
+                      <a:r>
+                        <a:rPr lang="en-US" altLang="ko-KR" sz="1200"/>
+                        <a:t>B</a:t>
+                      </a:r>
+                      <a:endParaRPr lang="ko-KR" altLang="en-US" sz="1200"/>
+                    </a:p>
+                  </a:txBody>
+                  <a:tcPr marL="59036" marR="59036" marT="29518" marB="29518">
+                    <a:lnL w="19050" cap="flat" cmpd="sng" algn="ctr">
+                      <a:solidFill>
+                        <a:schemeClr val="tx1"/>
+                      </a:solidFill>
+                      <a:prstDash val="solid"/>
+                      <a:round/>
+                      <a:headEnd type="none" w="med" len="med"/>
+                      <a:tailEnd type="none" w="med" len="med"/>
+                    </a:lnL>
+                    <a:lnR w="19050" cap="flat" cmpd="sng" algn="ctr">
+                      <a:solidFill>
+                        <a:schemeClr val="tx1"/>
+                      </a:solidFill>
+                      <a:prstDash val="solid"/>
+                      <a:round/>
+                      <a:headEnd type="none" w="med" len="med"/>
+                      <a:tailEnd type="none" w="med" len="med"/>
+                    </a:lnR>
+                    <a:lnT w="19050" cap="flat" cmpd="sng" algn="ctr">
+                      <a:solidFill>
+                        <a:schemeClr val="tx1"/>
+                      </a:solidFill>
+                      <a:prstDash val="solid"/>
+                      <a:round/>
+                      <a:headEnd type="none" w="med" len="med"/>
+                      <a:tailEnd type="none" w="med" len="med"/>
+                    </a:lnT>
+                    <a:lnB w="19050" cap="flat" cmpd="sng" algn="ctr">
+                      <a:solidFill>
+                        <a:schemeClr val="tx1"/>
+                      </a:solidFill>
+                      <a:prstDash val="solid"/>
+                      <a:round/>
+                      <a:headEnd type="none" w="med" len="med"/>
+                      <a:tailEnd type="none" w="med" len="med"/>
+                    </a:lnB>
+                    <a:lnTlToBr w="12700" cmpd="sng">
+                      <a:noFill/>
+                      <a:prstDash val="solid"/>
+                    </a:lnTlToBr>
+                    <a:lnBlToTr w="12700" cmpd="sng">
+                      <a:noFill/>
+                      <a:prstDash val="solid"/>
+                    </a:lnBlToTr>
+                  </a:tcPr>
+                </a:tc>
+                <a:tc>
+                  <a:txBody>
+                    <a:bodyPr/>
+                    <a:lstStyle/>
+                    <a:p>
+                      <a:pPr algn="ctr" latinLnBrk="1"/>
+                      <a:r>
+                        <a:rPr lang="en-US" altLang="ko-KR" sz="1200"/>
+                        <a:t>1</a:t>
+                      </a:r>
+                      <a:endParaRPr lang="ko-KR" altLang="en-US" sz="1200"/>
+                    </a:p>
+                  </a:txBody>
+                  <a:tcPr marL="59036" marR="59036" marT="29518" marB="29518">
+                    <a:lnL w="19050" cap="flat" cmpd="sng" algn="ctr">
+                      <a:solidFill>
+                        <a:schemeClr val="tx1"/>
+                      </a:solidFill>
+                      <a:prstDash val="solid"/>
+                      <a:round/>
+                      <a:headEnd type="none" w="med" len="med"/>
+                      <a:tailEnd type="none" w="med" len="med"/>
+                    </a:lnL>
+                    <a:lnR w="19050" cap="flat" cmpd="sng" algn="ctr">
+                      <a:solidFill>
+                        <a:schemeClr val="tx1"/>
+                      </a:solidFill>
+                      <a:prstDash val="solid"/>
+                      <a:round/>
+                      <a:headEnd type="none" w="med" len="med"/>
+                      <a:tailEnd type="none" w="med" len="med"/>
+                    </a:lnR>
+                    <a:lnT w="19050" cap="flat" cmpd="sng" algn="ctr">
+                      <a:solidFill>
+                        <a:schemeClr val="tx1"/>
+                      </a:solidFill>
+                      <a:prstDash val="solid"/>
+                      <a:round/>
+                      <a:headEnd type="none" w="med" len="med"/>
+                      <a:tailEnd type="none" w="med" len="med"/>
+                    </a:lnT>
+                    <a:lnB w="19050" cap="flat" cmpd="sng" algn="ctr">
+                      <a:solidFill>
+                        <a:schemeClr val="tx1"/>
+                      </a:solidFill>
+                      <a:prstDash val="solid"/>
+                      <a:round/>
+                      <a:headEnd type="none" w="med" len="med"/>
+                      <a:tailEnd type="none" w="med" len="med"/>
+                    </a:lnB>
+                    <a:lnTlToBr w="12700" cmpd="sng">
+                      <a:noFill/>
+                      <a:prstDash val="solid"/>
+                    </a:lnTlToBr>
+                    <a:lnBlToTr w="12700" cmpd="sng">
+                      <a:noFill/>
+                      <a:prstDash val="solid"/>
+                    </a:lnBlToTr>
+                  </a:tcPr>
+                </a:tc>
+                <a:extLst>
+                  <a:ext uri="{0D108BD9-81ED-4DB2-BD59-A6C34878D82A}">
+                    <a16:rowId xmlns:a16="http://schemas.microsoft.com/office/drawing/2014/main" val="2988943064"/>
+                  </a:ext>
+                </a:extLst>
+              </a:tr>
+              <a:tr h="239425">
+                <a:tc>
+                  <a:txBody>
+                    <a:bodyPr/>
+                    <a:lstStyle/>
+                    <a:p>
+                      <a:pPr algn="ctr" latinLnBrk="1"/>
+                      <a:r>
+                        <a:rPr lang="en-US" altLang="ko-KR" sz="1200"/>
+                        <a:t>C</a:t>
+                      </a:r>
+                      <a:endParaRPr lang="ko-KR" altLang="en-US" sz="1200"/>
+                    </a:p>
+                  </a:txBody>
+                  <a:tcPr marL="59036" marR="59036" marT="29518" marB="29518">
+                    <a:lnL w="19050" cap="flat" cmpd="sng" algn="ctr">
+                      <a:solidFill>
+                        <a:schemeClr val="tx1"/>
+                      </a:solidFill>
+                      <a:prstDash val="solid"/>
+                      <a:round/>
+                      <a:headEnd type="none" w="med" len="med"/>
+                      <a:tailEnd type="none" w="med" len="med"/>
+                    </a:lnL>
+                    <a:lnR w="19050" cap="flat" cmpd="sng" algn="ctr">
+                      <a:solidFill>
+                        <a:schemeClr val="tx1"/>
+                      </a:solidFill>
+                      <a:prstDash val="solid"/>
+                      <a:round/>
+                      <a:headEnd type="none" w="med" len="med"/>
+                      <a:tailEnd type="none" w="med" len="med"/>
+                    </a:lnR>
+                    <a:lnT w="19050" cap="flat" cmpd="sng" algn="ctr">
+                      <a:solidFill>
+                        <a:schemeClr val="tx1"/>
+                      </a:solidFill>
+                      <a:prstDash val="solid"/>
+                      <a:round/>
+                      <a:headEnd type="none" w="med" len="med"/>
+                      <a:tailEnd type="none" w="med" len="med"/>
+                    </a:lnT>
+                    <a:lnB w="19050" cap="flat" cmpd="sng" algn="ctr">
+                      <a:solidFill>
+                        <a:schemeClr val="tx1"/>
+                      </a:solidFill>
+                      <a:prstDash val="solid"/>
+                      <a:round/>
+                      <a:headEnd type="none" w="med" len="med"/>
+                      <a:tailEnd type="none" w="med" len="med"/>
+                    </a:lnB>
+                    <a:lnTlToBr w="12700" cmpd="sng">
+                      <a:noFill/>
+                      <a:prstDash val="solid"/>
+                    </a:lnTlToBr>
+                    <a:lnBlToTr w="12700" cmpd="sng">
+                      <a:noFill/>
+                      <a:prstDash val="solid"/>
+                    </a:lnBlToTr>
+                  </a:tcPr>
+                </a:tc>
+                <a:tc>
+                  <a:txBody>
+                    <a:bodyPr/>
+                    <a:lstStyle/>
+                    <a:p>
+                      <a:pPr algn="ctr" latinLnBrk="1"/>
+                      <a:r>
+                        <a:rPr lang="en-US" altLang="ko-KR" sz="1200"/>
+                        <a:t>B</a:t>
+                      </a:r>
+                      <a:endParaRPr lang="ko-KR" altLang="en-US" sz="1200"/>
+                    </a:p>
+                  </a:txBody>
+                  <a:tcPr marL="59036" marR="59036" marT="29518" marB="29518">
+                    <a:lnL w="19050" cap="flat" cmpd="sng" algn="ctr">
+                      <a:solidFill>
+                        <a:schemeClr val="tx1"/>
+                      </a:solidFill>
+                      <a:prstDash val="solid"/>
+                      <a:round/>
+                      <a:headEnd type="none" w="med" len="med"/>
+                      <a:tailEnd type="none" w="med" len="med"/>
+                    </a:lnL>
+                    <a:lnR w="19050" cap="flat" cmpd="sng" algn="ctr">
+                      <a:solidFill>
+                        <a:schemeClr val="tx1"/>
+                      </a:solidFill>
+                      <a:prstDash val="solid"/>
+                      <a:round/>
+                      <a:headEnd type="none" w="med" len="med"/>
+                      <a:tailEnd type="none" w="med" len="med"/>
+                    </a:lnR>
+                    <a:lnT w="19050" cap="flat" cmpd="sng" algn="ctr">
+                      <a:solidFill>
+                        <a:schemeClr val="tx1"/>
+                      </a:solidFill>
+                      <a:prstDash val="solid"/>
+                      <a:round/>
+                      <a:headEnd type="none" w="med" len="med"/>
+                      <a:tailEnd type="none" w="med" len="med"/>
+                    </a:lnT>
+                    <a:lnB w="19050" cap="flat" cmpd="sng" algn="ctr">
+                      <a:solidFill>
+                        <a:schemeClr val="tx1"/>
+                      </a:solidFill>
+                      <a:prstDash val="solid"/>
+                      <a:round/>
+                      <a:headEnd type="none" w="med" len="med"/>
+                      <a:tailEnd type="none" w="med" len="med"/>
+                    </a:lnB>
+                    <a:lnTlToBr w="12700" cmpd="sng">
+                      <a:noFill/>
+                      <a:prstDash val="solid"/>
+                    </a:lnTlToBr>
+                    <a:lnBlToTr w="12700" cmpd="sng">
+                      <a:noFill/>
+                      <a:prstDash val="solid"/>
+                    </a:lnBlToTr>
+                  </a:tcPr>
+                </a:tc>
+                <a:tc>
+                  <a:txBody>
+                    <a:bodyPr/>
+                    <a:lstStyle/>
+                    <a:p>
+                      <a:pPr algn="ctr" latinLnBrk="1"/>
+                      <a:r>
+                        <a:rPr lang="en-US" altLang="ko-KR" sz="1200" b="1">
+                          <a:solidFill>
+                            <a:srgbClr val="C00000"/>
+                          </a:solidFill>
+                        </a:rPr>
+                        <a:t>4</a:t>
+                      </a:r>
+                      <a:endParaRPr lang="ko-KR" altLang="en-US" sz="1200" b="1">
+                        <a:solidFill>
+                          <a:srgbClr val="C00000"/>
+                        </a:solidFill>
+                      </a:endParaRPr>
+                    </a:p>
+                  </a:txBody>
+                  <a:tcPr marL="59036" marR="59036" marT="29518" marB="29518">
+                    <a:lnL w="19050" cap="flat" cmpd="sng" algn="ctr">
+                      <a:solidFill>
+                        <a:schemeClr val="tx1"/>
+                      </a:solidFill>
+                      <a:prstDash val="solid"/>
+                      <a:round/>
+                      <a:headEnd type="none" w="med" len="med"/>
+                      <a:tailEnd type="none" w="med" len="med"/>
+                    </a:lnL>
+                    <a:lnR w="19050" cap="flat" cmpd="sng" algn="ctr">
+                      <a:solidFill>
+                        <a:schemeClr val="tx1"/>
+                      </a:solidFill>
+                      <a:prstDash val="solid"/>
+                      <a:round/>
+                      <a:headEnd type="none" w="med" len="med"/>
+                      <a:tailEnd type="none" w="med" len="med"/>
+                    </a:lnR>
+                    <a:lnT w="19050" cap="flat" cmpd="sng" algn="ctr">
+                      <a:solidFill>
+                        <a:schemeClr val="tx1"/>
+                      </a:solidFill>
+                      <a:prstDash val="solid"/>
+                      <a:round/>
+                      <a:headEnd type="none" w="med" len="med"/>
+                      <a:tailEnd type="none" w="med" len="med"/>
+                    </a:lnT>
+                    <a:lnB w="19050" cap="flat" cmpd="sng" algn="ctr">
+                      <a:solidFill>
+                        <a:schemeClr val="tx1"/>
+                      </a:solidFill>
+                      <a:prstDash val="solid"/>
+                      <a:round/>
+                      <a:headEnd type="none" w="med" len="med"/>
+                      <a:tailEnd type="none" w="med" len="med"/>
+                    </a:lnB>
+                    <a:lnTlToBr w="12700" cmpd="sng">
+                      <a:noFill/>
+                      <a:prstDash val="solid"/>
+                    </a:lnTlToBr>
+                    <a:lnBlToTr w="12700" cmpd="sng">
+                      <a:noFill/>
+                      <a:prstDash val="solid"/>
+                    </a:lnBlToTr>
+                  </a:tcPr>
+                </a:tc>
+                <a:extLst>
+                  <a:ext uri="{0D108BD9-81ED-4DB2-BD59-A6C34878D82A}">
+                    <a16:rowId xmlns:a16="http://schemas.microsoft.com/office/drawing/2014/main" val="2151023030"/>
+                  </a:ext>
+                </a:extLst>
+              </a:tr>
+            </a:tbl>
+          </a:graphicData>
+        </a:graphic>
+      </p:graphicFrame>
+      <p:graphicFrame>
+        <p:nvGraphicFramePr>
+          <p:cNvPr id="67" name="표 66">
+            <a:extLst>
+              <a:ext uri="{FF2B5EF4-FFF2-40B4-BE49-F238E27FC236}">
+                <a16:creationId xmlns:a16="http://schemas.microsoft.com/office/drawing/2014/main" id="{F201D5ED-5A59-4C31-9D0C-FD256F6C3B7D}"/>
+              </a:ext>
+            </a:extLst>
+          </p:cNvPr>
+          <p:cNvGraphicFramePr>
+            <a:graphicFrameLocks noGrp="1"/>
+          </p:cNvGraphicFramePr>
+          <p:nvPr>
+            <p:extLst>
+              <p:ext uri="{D42A27DB-BD31-4B8C-83A1-F6EECF244321}">
+                <p14:modId xmlns:p14="http://schemas.microsoft.com/office/powerpoint/2010/main" val="3275338433"/>
+              </p:ext>
+            </p:extLst>
+          </p:nvPr>
+        </p:nvGraphicFramePr>
+        <p:xfrm>
+          <a:off x="4978501" y="3011969"/>
+          <a:ext cx="2183904" cy="725748"/>
+        </p:xfrm>
+        <a:graphic>
+          <a:graphicData uri="http://schemas.openxmlformats.org/drawingml/2006/table">
+            <a:tbl>
+              <a:tblPr firstRow="1" bandRow="1">
+                <a:tableStyleId>{5940675A-B579-460E-94D1-54222C63F5DA}</a:tableStyleId>
+              </a:tblPr>
+              <a:tblGrid>
+                <a:gridCol w="675717">
+                  <a:extLst>
+                    <a:ext uri="{9D8B030D-6E8A-4147-A177-3AD203B41FA5}">
+                      <a16:colId xmlns:a16="http://schemas.microsoft.com/office/drawing/2014/main" val="1516707845"/>
+                    </a:ext>
+                  </a:extLst>
+                </a:gridCol>
+                <a:gridCol w="837396">
+                  <a:extLst>
+                    <a:ext uri="{9D8B030D-6E8A-4147-A177-3AD203B41FA5}">
+                      <a16:colId xmlns:a16="http://schemas.microsoft.com/office/drawing/2014/main" val="3467385854"/>
+                    </a:ext>
+                  </a:extLst>
+                </a:gridCol>
+                <a:gridCol w="670791">
+                  <a:extLst>
+                    <a:ext uri="{9D8B030D-6E8A-4147-A177-3AD203B41FA5}">
+                      <a16:colId xmlns:a16="http://schemas.microsoft.com/office/drawing/2014/main" val="4256211802"/>
+                    </a:ext>
+                  </a:extLst>
+                </a:gridCol>
+              </a:tblGrid>
+              <a:tr h="239425">
+                <a:tc>
+                  <a:txBody>
+                    <a:bodyPr/>
+                    <a:lstStyle/>
+                    <a:p>
+                      <a:pPr algn="ctr" latinLnBrk="1"/>
+                      <a:r>
+                        <a:rPr lang="en-US" altLang="ko-KR" sz="1200"/>
+                        <a:t>Dest</a:t>
+                      </a:r>
+                      <a:endParaRPr lang="ko-KR" altLang="en-US" sz="1200"/>
+                    </a:p>
+                  </a:txBody>
+                  <a:tcPr marL="59036" marR="59036" marT="29518" marB="29518">
+                    <a:lnL w="19050" cap="flat" cmpd="sng" algn="ctr">
+                      <a:solidFill>
+                        <a:schemeClr val="tx1"/>
+                      </a:solidFill>
+                      <a:prstDash val="solid"/>
+                      <a:round/>
+                      <a:headEnd type="none" w="med" len="med"/>
+                      <a:tailEnd type="none" w="med" len="med"/>
+                    </a:lnL>
+                    <a:lnR w="19050" cap="flat" cmpd="sng" algn="ctr">
+                      <a:solidFill>
+                        <a:schemeClr val="tx1"/>
+                      </a:solidFill>
+                      <a:prstDash val="solid"/>
+                      <a:round/>
+                      <a:headEnd type="none" w="med" len="med"/>
+                      <a:tailEnd type="none" w="med" len="med"/>
+                    </a:lnR>
+                    <a:lnT w="19050" cap="flat" cmpd="sng" algn="ctr">
+                      <a:solidFill>
+                        <a:schemeClr val="tx1"/>
+                      </a:solidFill>
+                      <a:prstDash val="solid"/>
+                      <a:round/>
+                      <a:headEnd type="none" w="med" len="med"/>
+                      <a:tailEnd type="none" w="med" len="med"/>
+                    </a:lnT>
+                    <a:lnB w="19050" cap="flat" cmpd="sng" algn="ctr">
+                      <a:solidFill>
+                        <a:schemeClr val="tx1"/>
+                      </a:solidFill>
+                      <a:prstDash val="solid"/>
+                      <a:round/>
+                      <a:headEnd type="none" w="med" len="med"/>
+                      <a:tailEnd type="none" w="med" len="med"/>
+                    </a:lnB>
+                    <a:lnTlToBr w="12700" cmpd="sng">
+                      <a:noFill/>
+                      <a:prstDash val="solid"/>
+                    </a:lnTlToBr>
+                    <a:lnBlToTr w="12700" cmpd="sng">
+                      <a:noFill/>
+                      <a:prstDash val="solid"/>
+                    </a:lnBlToTr>
+                  </a:tcPr>
+                </a:tc>
+                <a:tc>
+                  <a:txBody>
+                    <a:bodyPr/>
+                    <a:lstStyle/>
+                    <a:p>
+                      <a:pPr algn="ctr" latinLnBrk="1"/>
+                      <a:r>
+                        <a:rPr lang="en-US" altLang="ko-KR" sz="1200"/>
+                        <a:t>Next Hop</a:t>
+                      </a:r>
+                      <a:endParaRPr lang="ko-KR" altLang="en-US" sz="1200"/>
+                    </a:p>
+                  </a:txBody>
+                  <a:tcPr marL="59036" marR="59036" marT="29518" marB="29518">
+                    <a:lnL w="19050" cap="flat" cmpd="sng" algn="ctr">
+                      <a:solidFill>
+                        <a:schemeClr val="tx1"/>
+                      </a:solidFill>
+                      <a:prstDash val="solid"/>
+                      <a:round/>
+                      <a:headEnd type="none" w="med" len="med"/>
+                      <a:tailEnd type="none" w="med" len="med"/>
+                    </a:lnL>
+                    <a:lnR w="19050" cap="flat" cmpd="sng" algn="ctr">
+                      <a:solidFill>
+                        <a:schemeClr val="tx1"/>
+                      </a:solidFill>
+                      <a:prstDash val="solid"/>
+                      <a:round/>
+                      <a:headEnd type="none" w="med" len="med"/>
+                      <a:tailEnd type="none" w="med" len="med"/>
+                    </a:lnR>
+                    <a:lnT w="19050" cap="flat" cmpd="sng" algn="ctr">
+                      <a:solidFill>
+                        <a:schemeClr val="tx1"/>
+                      </a:solidFill>
+                      <a:prstDash val="solid"/>
+                      <a:round/>
+                      <a:headEnd type="none" w="med" len="med"/>
+                      <a:tailEnd type="none" w="med" len="med"/>
+                    </a:lnT>
+                    <a:lnB w="19050" cap="flat" cmpd="sng" algn="ctr">
+                      <a:solidFill>
+                        <a:schemeClr val="tx1"/>
+                      </a:solidFill>
+                      <a:prstDash val="solid"/>
+                      <a:round/>
+                      <a:headEnd type="none" w="med" len="med"/>
+                      <a:tailEnd type="none" w="med" len="med"/>
+                    </a:lnB>
+                    <a:lnTlToBr w="12700" cmpd="sng">
+                      <a:noFill/>
+                      <a:prstDash val="solid"/>
+                    </a:lnTlToBr>
+                    <a:lnBlToTr w="12700" cmpd="sng">
+                      <a:noFill/>
+                      <a:prstDash val="solid"/>
+                    </a:lnBlToTr>
+                  </a:tcPr>
+                </a:tc>
+                <a:tc>
+                  <a:txBody>
+                    <a:bodyPr/>
+                    <a:lstStyle/>
+                    <a:p>
+                      <a:pPr algn="ctr" latinLnBrk="1"/>
+                      <a:r>
+                        <a:rPr lang="en-US" altLang="ko-KR" sz="1200"/>
+                        <a:t>Cost</a:t>
+                      </a:r>
+                      <a:endParaRPr lang="ko-KR" altLang="en-US" sz="1200"/>
+                    </a:p>
+                  </a:txBody>
+                  <a:tcPr marL="59036" marR="59036" marT="29518" marB="29518">
+                    <a:lnL w="19050" cap="flat" cmpd="sng" algn="ctr">
+                      <a:solidFill>
+                        <a:schemeClr val="tx1"/>
+                      </a:solidFill>
+                      <a:prstDash val="solid"/>
+                      <a:round/>
+                      <a:headEnd type="none" w="med" len="med"/>
+                      <a:tailEnd type="none" w="med" len="med"/>
+                    </a:lnL>
+                    <a:lnR w="19050" cap="flat" cmpd="sng" algn="ctr">
+                      <a:solidFill>
+                        <a:schemeClr val="tx1"/>
+                      </a:solidFill>
+                      <a:prstDash val="solid"/>
+                      <a:round/>
+                      <a:headEnd type="none" w="med" len="med"/>
+                      <a:tailEnd type="none" w="med" len="med"/>
+                    </a:lnR>
+                    <a:lnT w="19050" cap="flat" cmpd="sng" algn="ctr">
+                      <a:solidFill>
+                        <a:schemeClr val="tx1"/>
+                      </a:solidFill>
+                      <a:prstDash val="solid"/>
+                      <a:round/>
+                      <a:headEnd type="none" w="med" len="med"/>
+                      <a:tailEnd type="none" w="med" len="med"/>
+                    </a:lnT>
+                    <a:lnB w="19050" cap="flat" cmpd="sng" algn="ctr">
+                      <a:solidFill>
+                        <a:schemeClr val="tx1"/>
+                      </a:solidFill>
+                      <a:prstDash val="solid"/>
+                      <a:round/>
+                      <a:headEnd type="none" w="med" len="med"/>
+                      <a:tailEnd type="none" w="med" len="med"/>
+                    </a:lnB>
+                    <a:lnTlToBr w="12700" cmpd="sng">
+                      <a:noFill/>
+                      <a:prstDash val="solid"/>
+                    </a:lnTlToBr>
+                    <a:lnBlToTr w="12700" cmpd="sng">
+                      <a:noFill/>
+                      <a:prstDash val="solid"/>
+                    </a:lnBlToTr>
+                  </a:tcPr>
+                </a:tc>
+                <a:extLst>
+                  <a:ext uri="{0D108BD9-81ED-4DB2-BD59-A6C34878D82A}">
+                    <a16:rowId xmlns:a16="http://schemas.microsoft.com/office/drawing/2014/main" val="2069835679"/>
+                  </a:ext>
+                </a:extLst>
+              </a:tr>
+              <a:tr h="239425">
+                <a:tc>
+                  <a:txBody>
+                    <a:bodyPr/>
+                    <a:lstStyle/>
+                    <a:p>
+                      <a:pPr algn="ctr" latinLnBrk="1"/>
+                      <a:r>
+                        <a:rPr lang="en-US" altLang="ko-KR" sz="1200"/>
+                        <a:t>A</a:t>
+                      </a:r>
+                      <a:endParaRPr lang="ko-KR" altLang="en-US" sz="1200"/>
+                    </a:p>
+                  </a:txBody>
+                  <a:tcPr marL="59036" marR="59036" marT="29518" marB="29518">
+                    <a:lnL w="19050" cap="flat" cmpd="sng" algn="ctr">
+                      <a:solidFill>
+                        <a:schemeClr val="tx1"/>
+                      </a:solidFill>
+                      <a:prstDash val="solid"/>
+                      <a:round/>
+                      <a:headEnd type="none" w="med" len="med"/>
+                      <a:tailEnd type="none" w="med" len="med"/>
+                    </a:lnL>
+                    <a:lnR w="19050" cap="flat" cmpd="sng" algn="ctr">
+                      <a:solidFill>
+                        <a:schemeClr val="tx1"/>
+                      </a:solidFill>
+                      <a:prstDash val="solid"/>
+                      <a:round/>
+                      <a:headEnd type="none" w="med" len="med"/>
+                      <a:tailEnd type="none" w="med" len="med"/>
+                    </a:lnR>
+                    <a:lnT w="19050" cap="flat" cmpd="sng" algn="ctr">
+                      <a:solidFill>
+                        <a:schemeClr val="tx1"/>
+                      </a:solidFill>
+                      <a:prstDash val="solid"/>
+                      <a:round/>
+                      <a:headEnd type="none" w="med" len="med"/>
+                      <a:tailEnd type="none" w="med" len="med"/>
+                    </a:lnT>
+                    <a:lnB w="19050" cap="flat" cmpd="sng" algn="ctr">
+                      <a:solidFill>
+                        <a:schemeClr val="tx1"/>
+                      </a:solidFill>
+                      <a:prstDash val="solid"/>
+                      <a:round/>
+                      <a:headEnd type="none" w="med" len="med"/>
+                      <a:tailEnd type="none" w="med" len="med"/>
+                    </a:lnB>
+                    <a:lnTlToBr w="12700" cmpd="sng">
+                      <a:noFill/>
+                      <a:prstDash val="solid"/>
+                    </a:lnTlToBr>
+                    <a:lnBlToTr w="12700" cmpd="sng">
+                      <a:noFill/>
+                      <a:prstDash val="solid"/>
+                    </a:lnBlToTr>
+                  </a:tcPr>
+                </a:tc>
+                <a:tc>
+                  <a:txBody>
+                    <a:bodyPr/>
+                    <a:lstStyle/>
+                    <a:p>
+                      <a:pPr algn="ctr" latinLnBrk="1"/>
+                      <a:r>
+                        <a:rPr lang="en-US" altLang="ko-KR" sz="1200"/>
+                        <a:t>A</a:t>
+                      </a:r>
+                      <a:endParaRPr lang="ko-KR" altLang="en-US" sz="1200"/>
+                    </a:p>
+                  </a:txBody>
+                  <a:tcPr marL="59036" marR="59036" marT="29518" marB="29518">
+                    <a:lnL w="19050" cap="flat" cmpd="sng" algn="ctr">
+                      <a:solidFill>
+                        <a:schemeClr val="tx1"/>
+                      </a:solidFill>
+                      <a:prstDash val="solid"/>
+                      <a:round/>
+                      <a:headEnd type="none" w="med" len="med"/>
+                      <a:tailEnd type="none" w="med" len="med"/>
+                    </a:lnL>
+                    <a:lnR w="19050" cap="flat" cmpd="sng" algn="ctr">
+                      <a:solidFill>
+                        <a:schemeClr val="tx1"/>
+                      </a:solidFill>
+                      <a:prstDash val="solid"/>
+                      <a:round/>
+                      <a:headEnd type="none" w="med" len="med"/>
+                      <a:tailEnd type="none" w="med" len="med"/>
+                    </a:lnR>
+                    <a:lnT w="19050" cap="flat" cmpd="sng" algn="ctr">
+                      <a:solidFill>
+                        <a:schemeClr val="tx1"/>
+                      </a:solidFill>
+                      <a:prstDash val="solid"/>
+                      <a:round/>
+                      <a:headEnd type="none" w="med" len="med"/>
+                      <a:tailEnd type="none" w="med" len="med"/>
+                    </a:lnT>
+                    <a:lnB w="19050" cap="flat" cmpd="sng" algn="ctr">
+                      <a:solidFill>
+                        <a:schemeClr val="tx1"/>
+                      </a:solidFill>
+                      <a:prstDash val="solid"/>
+                      <a:round/>
+                      <a:headEnd type="none" w="med" len="med"/>
+                      <a:tailEnd type="none" w="med" len="med"/>
+                    </a:lnB>
+                    <a:lnTlToBr w="12700" cmpd="sng">
+                      <a:noFill/>
+                      <a:prstDash val="solid"/>
+                    </a:lnTlToBr>
+                    <a:lnBlToTr w="12700" cmpd="sng">
+                      <a:noFill/>
+                      <a:prstDash val="solid"/>
+                    </a:lnBlToTr>
+                  </a:tcPr>
+                </a:tc>
+                <a:tc>
+                  <a:txBody>
+                    <a:bodyPr/>
+                    <a:lstStyle/>
+                    <a:p>
+                      <a:pPr algn="ctr" latinLnBrk="1"/>
+                      <a:r>
+                        <a:rPr lang="en-US" altLang="ko-KR" sz="1200"/>
+                        <a:t>1</a:t>
+                      </a:r>
+                      <a:endParaRPr lang="ko-KR" altLang="en-US" sz="1200"/>
+                    </a:p>
+                  </a:txBody>
+                  <a:tcPr marL="59036" marR="59036" marT="29518" marB="29518">
+                    <a:lnL w="19050" cap="flat" cmpd="sng" algn="ctr">
+                      <a:solidFill>
+                        <a:schemeClr val="tx1"/>
+                      </a:solidFill>
+                      <a:prstDash val="solid"/>
+                      <a:round/>
+                      <a:headEnd type="none" w="med" len="med"/>
+                      <a:tailEnd type="none" w="med" len="med"/>
+                    </a:lnL>
+                    <a:lnR w="19050" cap="flat" cmpd="sng" algn="ctr">
+                      <a:solidFill>
+                        <a:schemeClr val="tx1"/>
+                      </a:solidFill>
+                      <a:prstDash val="solid"/>
+                      <a:round/>
+                      <a:headEnd type="none" w="med" len="med"/>
+                      <a:tailEnd type="none" w="med" len="med"/>
+                    </a:lnR>
+                    <a:lnT w="19050" cap="flat" cmpd="sng" algn="ctr">
+                      <a:solidFill>
+                        <a:schemeClr val="tx1"/>
+                      </a:solidFill>
+                      <a:prstDash val="solid"/>
+                      <a:round/>
+                      <a:headEnd type="none" w="med" len="med"/>
+                      <a:tailEnd type="none" w="med" len="med"/>
+                    </a:lnT>
+                    <a:lnB w="19050" cap="flat" cmpd="sng" algn="ctr">
+                      <a:solidFill>
+                        <a:schemeClr val="tx1"/>
+                      </a:solidFill>
+                      <a:prstDash val="solid"/>
+                      <a:round/>
+                      <a:headEnd type="none" w="med" len="med"/>
+                      <a:tailEnd type="none" w="med" len="med"/>
+                    </a:lnB>
+                    <a:lnTlToBr w="12700" cmpd="sng">
+                      <a:noFill/>
+                      <a:prstDash val="solid"/>
+                    </a:lnTlToBr>
+                    <a:lnBlToTr w="12700" cmpd="sng">
+                      <a:noFill/>
+                      <a:prstDash val="solid"/>
+                    </a:lnBlToTr>
+                  </a:tcPr>
+                </a:tc>
+                <a:extLst>
+                  <a:ext uri="{0D108BD9-81ED-4DB2-BD59-A6C34878D82A}">
+                    <a16:rowId xmlns:a16="http://schemas.microsoft.com/office/drawing/2014/main" val="2988943064"/>
+                  </a:ext>
+                </a:extLst>
+              </a:tr>
+              <a:tr h="239425">
+                <a:tc>
+                  <a:txBody>
+                    <a:bodyPr/>
+                    <a:lstStyle/>
+                    <a:p>
+                      <a:pPr algn="ctr" latinLnBrk="1"/>
+                      <a:r>
+                        <a:rPr lang="en-US" altLang="ko-KR" sz="1200"/>
+                        <a:t>C</a:t>
+                      </a:r>
+                      <a:endParaRPr lang="ko-KR" altLang="en-US" sz="1200"/>
+                    </a:p>
+                  </a:txBody>
+                  <a:tcPr marL="59036" marR="59036" marT="29518" marB="29518">
+                    <a:lnL w="19050" cap="flat" cmpd="sng" algn="ctr">
+                      <a:solidFill>
+                        <a:schemeClr val="tx1"/>
+                      </a:solidFill>
+                      <a:prstDash val="solid"/>
+                      <a:round/>
+                      <a:headEnd type="none" w="med" len="med"/>
+                      <a:tailEnd type="none" w="med" len="med"/>
+                    </a:lnL>
+                    <a:lnR w="19050" cap="flat" cmpd="sng" algn="ctr">
+                      <a:solidFill>
+                        <a:schemeClr val="tx1"/>
+                      </a:solidFill>
+                      <a:prstDash val="solid"/>
+                      <a:round/>
+                      <a:headEnd type="none" w="med" len="med"/>
+                      <a:tailEnd type="none" w="med" len="med"/>
+                    </a:lnR>
+                    <a:lnT w="19050" cap="flat" cmpd="sng" algn="ctr">
+                      <a:solidFill>
+                        <a:schemeClr val="tx1"/>
+                      </a:solidFill>
+                      <a:prstDash val="solid"/>
+                      <a:round/>
+                      <a:headEnd type="none" w="med" len="med"/>
+                      <a:tailEnd type="none" w="med" len="med"/>
+                    </a:lnT>
+                    <a:lnB w="19050" cap="flat" cmpd="sng" algn="ctr">
+                      <a:solidFill>
+                        <a:schemeClr val="tx1"/>
+                      </a:solidFill>
+                      <a:prstDash val="solid"/>
+                      <a:round/>
+                      <a:headEnd type="none" w="med" len="med"/>
+                      <a:tailEnd type="none" w="med" len="med"/>
+                    </a:lnB>
+                    <a:lnTlToBr w="12700" cmpd="sng">
+                      <a:noFill/>
+                      <a:prstDash val="solid"/>
+                    </a:lnTlToBr>
+                    <a:lnBlToTr w="12700" cmpd="sng">
+                      <a:noFill/>
+                      <a:prstDash val="solid"/>
+                    </a:lnBlToTr>
+                  </a:tcPr>
+                </a:tc>
+                <a:tc>
+                  <a:txBody>
+                    <a:bodyPr/>
+                    <a:lstStyle/>
+                    <a:p>
+                      <a:pPr algn="ctr" latinLnBrk="1"/>
+                      <a:r>
+                        <a:rPr lang="en-US" altLang="ko-KR" sz="1200"/>
+                        <a:t>A</a:t>
+                      </a:r>
+                      <a:endParaRPr lang="ko-KR" altLang="en-US" sz="1200"/>
+                    </a:p>
+                  </a:txBody>
+                  <a:tcPr marL="59036" marR="59036" marT="29518" marB="29518">
+                    <a:lnL w="19050" cap="flat" cmpd="sng" algn="ctr">
+                      <a:solidFill>
+                        <a:schemeClr val="tx1"/>
+                      </a:solidFill>
+                      <a:prstDash val="solid"/>
+                      <a:round/>
+                      <a:headEnd type="none" w="med" len="med"/>
+                      <a:tailEnd type="none" w="med" len="med"/>
+                    </a:lnL>
+                    <a:lnR w="19050" cap="flat" cmpd="sng" algn="ctr">
+                      <a:solidFill>
+                        <a:schemeClr val="tx1"/>
+                      </a:solidFill>
+                      <a:prstDash val="solid"/>
+                      <a:round/>
+                      <a:headEnd type="none" w="med" len="med"/>
+                      <a:tailEnd type="none" w="med" len="med"/>
+                    </a:lnR>
+                    <a:lnT w="19050" cap="flat" cmpd="sng" algn="ctr">
+                      <a:solidFill>
+                        <a:schemeClr val="tx1"/>
+                      </a:solidFill>
+                      <a:prstDash val="solid"/>
+                      <a:round/>
+                      <a:headEnd type="none" w="med" len="med"/>
+                      <a:tailEnd type="none" w="med" len="med"/>
+                    </a:lnT>
+                    <a:lnB w="19050" cap="flat" cmpd="sng" algn="ctr">
+                      <a:solidFill>
+                        <a:schemeClr val="tx1"/>
+                      </a:solidFill>
+                      <a:prstDash val="solid"/>
+                      <a:round/>
+                      <a:headEnd type="none" w="med" len="med"/>
+                      <a:tailEnd type="none" w="med" len="med"/>
+                    </a:lnB>
+                    <a:lnTlToBr w="12700" cmpd="sng">
+                      <a:noFill/>
+                      <a:prstDash val="solid"/>
+                    </a:lnTlToBr>
+                    <a:lnBlToTr w="12700" cmpd="sng">
+                      <a:noFill/>
+                      <a:prstDash val="solid"/>
+                    </a:lnBlToTr>
+                  </a:tcPr>
+                </a:tc>
+                <a:tc>
+                  <a:txBody>
+                    <a:bodyPr/>
+                    <a:lstStyle/>
+                    <a:p>
+                      <a:pPr algn="ctr" latinLnBrk="1"/>
+                      <a:r>
+                        <a:rPr lang="en-US" altLang="ko-KR" sz="1200" b="1">
+                          <a:solidFill>
+                            <a:srgbClr val="C00000"/>
+                          </a:solidFill>
+                        </a:rPr>
+                        <a:t>3</a:t>
+                      </a:r>
+                      <a:endParaRPr lang="ko-KR" altLang="en-US" sz="1200" b="1">
+                        <a:solidFill>
+                          <a:srgbClr val="C00000"/>
+                        </a:solidFill>
+                      </a:endParaRPr>
+                    </a:p>
+                  </a:txBody>
+                  <a:tcPr marL="59036" marR="59036" marT="29518" marB="29518">
+                    <a:lnL w="19050" cap="flat" cmpd="sng" algn="ctr">
+                      <a:solidFill>
+                        <a:schemeClr val="tx1"/>
+                      </a:solidFill>
+                      <a:prstDash val="solid"/>
+                      <a:round/>
+                      <a:headEnd type="none" w="med" len="med"/>
+                      <a:tailEnd type="none" w="med" len="med"/>
+                    </a:lnL>
+                    <a:lnR w="19050" cap="flat" cmpd="sng" algn="ctr">
+                      <a:solidFill>
+                        <a:schemeClr val="tx1"/>
+                      </a:solidFill>
+                      <a:prstDash val="solid"/>
+                      <a:round/>
+                      <a:headEnd type="none" w="med" len="med"/>
+                      <a:tailEnd type="none" w="med" len="med"/>
+                    </a:lnR>
+                    <a:lnT w="19050" cap="flat" cmpd="sng" algn="ctr">
+                      <a:solidFill>
+                        <a:schemeClr val="tx1"/>
+                      </a:solidFill>
+                      <a:prstDash val="solid"/>
+                      <a:round/>
+                      <a:headEnd type="none" w="med" len="med"/>
+                      <a:tailEnd type="none" w="med" len="med"/>
+                    </a:lnT>
+                    <a:lnB w="19050" cap="flat" cmpd="sng" algn="ctr">
+                      <a:solidFill>
+                        <a:schemeClr val="tx1"/>
+                      </a:solidFill>
+                      <a:prstDash val="solid"/>
+                      <a:round/>
+                      <a:headEnd type="none" w="med" len="med"/>
+                      <a:tailEnd type="none" w="med" len="med"/>
+                    </a:lnB>
+                    <a:lnTlToBr w="12700" cmpd="sng">
+                      <a:noFill/>
+                      <a:prstDash val="solid"/>
+                    </a:lnTlToBr>
+                    <a:lnBlToTr w="12700" cmpd="sng">
+                      <a:noFill/>
+                      <a:prstDash val="solid"/>
+                    </a:lnBlToTr>
+                  </a:tcPr>
+                </a:tc>
+                <a:extLst>
+                  <a:ext uri="{0D108BD9-81ED-4DB2-BD59-A6C34878D82A}">
+                    <a16:rowId xmlns:a16="http://schemas.microsoft.com/office/drawing/2014/main" val="2151023030"/>
+                  </a:ext>
+                </a:extLst>
+              </a:tr>
+            </a:tbl>
+          </a:graphicData>
+        </a:graphic>
+      </p:graphicFrame>
+      <p:sp>
+        <p:nvSpPr>
+          <p:cNvPr id="68" name="TextBox 67">
+            <a:extLst>
+              <a:ext uri="{FF2B5EF4-FFF2-40B4-BE49-F238E27FC236}">
+                <a16:creationId xmlns:a16="http://schemas.microsoft.com/office/drawing/2014/main" id="{FC071E3A-CF50-4C8A-8074-E826B566F675}"/>
+              </a:ext>
+            </a:extLst>
+          </p:cNvPr>
+          <p:cNvSpPr txBox="1"/>
+          <p:nvPr/>
+        </p:nvSpPr>
+        <p:spPr>
+          <a:xfrm>
+            <a:off x="6274645" y="2463600"/>
+            <a:ext cx="1133644" cy="307777"/>
+          </a:xfrm>
+          <a:prstGeom prst="rect">
+            <a:avLst/>
+          </a:prstGeom>
+          <a:noFill/>
+        </p:spPr>
+        <p:txBody>
+          <a:bodyPr wrap="none" rtlCol="0">
+            <a:spAutoFit/>
+          </a:bodyPr>
+          <a:lstStyle/>
+          <a:p>
+            <a:pPr algn="ctr"/>
+            <a:r>
+              <a:rPr lang="en-US" altLang="ko-KR" sz="1400"/>
+              <a:t>A – 1, C - 3</a:t>
+            </a:r>
+            <a:endParaRPr lang="ko-KR" altLang="en-US" sz="1400"/>
+          </a:p>
+        </p:txBody>
+      </p:sp>
+      <p:sp>
+        <p:nvSpPr>
+          <p:cNvPr id="75" name="화살표: 오른쪽 74">
+            <a:extLst>
+              <a:ext uri="{FF2B5EF4-FFF2-40B4-BE49-F238E27FC236}">
+                <a16:creationId xmlns:a16="http://schemas.microsoft.com/office/drawing/2014/main" id="{80225CF7-10A1-4715-8D9D-66778B3CED76}"/>
+              </a:ext>
+            </a:extLst>
+          </p:cNvPr>
+          <p:cNvSpPr/>
+          <p:nvPr/>
+        </p:nvSpPr>
+        <p:spPr>
+          <a:xfrm>
+            <a:off x="4392920" y="2536618"/>
+            <a:ext cx="432047" cy="214004"/>
+          </a:xfrm>
+          <a:prstGeom prst="rightArrow">
+            <a:avLst>
+              <a:gd name="adj1" fmla="val 50000"/>
+              <a:gd name="adj2" fmla="val 73738"/>
+            </a:avLst>
+          </a:prstGeom>
+          <a:solidFill>
+            <a:schemeClr val="tx1"/>
+          </a:solidFill>
+          <a:ln>
+            <a:noFill/>
+          </a:ln>
+        </p:spPr>
+        <p:style>
+          <a:lnRef idx="2">
+            <a:schemeClr val="dk1"/>
+          </a:lnRef>
+          <a:fillRef idx="1">
+            <a:schemeClr val="lt1"/>
+          </a:fillRef>
+          <a:effectRef idx="0">
+            <a:schemeClr val="dk1"/>
+          </a:effectRef>
+          <a:fontRef idx="minor">
+            <a:schemeClr val="dk1"/>
+          </a:fontRef>
+        </p:style>
+        <p:txBody>
+          <a:bodyPr rtlCol="0" anchor="ctr"/>
+          <a:lstStyle/>
+          <a:p>
+            <a:pPr algn="ctr"/>
+            <a:endParaRPr lang="ko-KR" altLang="en-US"/>
+          </a:p>
+        </p:txBody>
+      </p:sp>
+    </p:spTree>
+    <p:extLst>
+      <p:ext uri="{BB962C8B-B14F-4D97-AF65-F5344CB8AC3E}">
+        <p14:creationId xmlns:p14="http://schemas.microsoft.com/office/powerpoint/2010/main" val="83439139"/>
+      </p:ext>
+    </p:extLst>
+  </p:cSld>
+  <p:clrMapOvr>
+    <a:masterClrMapping/>
+  </p:clrMapOvr>
+</p:sld>
+</file>
+
+<file path=ppt/slides/slide4.xml><?xml version="1.0" encoding="utf-8"?>
 <p:sld xmlns:a="http://schemas.openxmlformats.org/drawingml/2006/main" xmlns:r="http://schemas.openxmlformats.org/officeDocument/2006/relationships" xmlns:p="http://schemas.openxmlformats.org/presentationml/2006/main">
   <p:cSld>
     <p:spTree>
@@ -9136,51 +12543,6 @@
       </p:cxnSp>
       <p:cxnSp>
         <p:nvCxnSpPr>
-          <p:cNvPr id="32" name="직선 연결선 31">
-            <a:extLst>
-              <a:ext uri="{FF2B5EF4-FFF2-40B4-BE49-F238E27FC236}">
-                <a16:creationId xmlns:a16="http://schemas.microsoft.com/office/drawing/2014/main" id="{3DF366AE-7FC5-4189-BEEA-E650639F99E3}"/>
-              </a:ext>
-            </a:extLst>
-          </p:cNvPr>
-          <p:cNvCxnSpPr>
-            <a:cxnSpLocks/>
-            <a:stCxn id="21" idx="2"/>
-            <a:endCxn id="18" idx="6"/>
-          </p:cNvCxnSpPr>
-          <p:nvPr/>
-        </p:nvCxnSpPr>
-        <p:spPr>
-          <a:xfrm flipH="1">
-            <a:off x="5868144" y="3122689"/>
-            <a:ext cx="1224136" cy="0"/>
-          </a:xfrm>
-          <a:prstGeom prst="line">
-            <a:avLst/>
-          </a:prstGeom>
-          <a:ln w="28575">
-            <a:solidFill>
-              <a:schemeClr val="tx1"/>
-            </a:solidFill>
-          </a:ln>
-        </p:spPr>
-        <p:style>
-          <a:lnRef idx="1">
-            <a:schemeClr val="accent1"/>
-          </a:lnRef>
-          <a:fillRef idx="0">
-            <a:schemeClr val="accent1"/>
-          </a:fillRef>
-          <a:effectRef idx="0">
-            <a:schemeClr val="accent1"/>
-          </a:effectRef>
-          <a:fontRef idx="minor">
-            <a:schemeClr val="tx1"/>
-          </a:fontRef>
-        </p:style>
-      </p:cxnSp>
-      <p:cxnSp>
-        <p:nvCxnSpPr>
           <p:cNvPr id="35" name="직선 연결선 34">
             <a:extLst>
               <a:ext uri="{FF2B5EF4-FFF2-40B4-BE49-F238E27FC236}">
@@ -9284,7 +12646,7 @@
           <p:nvPr>
             <p:extLst>
               <p:ext uri="{D42A27DB-BD31-4B8C-83A1-F6EECF244321}">
-                <p14:modId xmlns:p14="http://schemas.microsoft.com/office/powerpoint/2010/main" val="1638592596"/>
+                <p14:modId xmlns:p14="http://schemas.microsoft.com/office/powerpoint/2010/main" val="3384148636"/>
               </p:ext>
             </p:extLst>
           </p:nvPr>
@@ -9892,7 +13254,7 @@
                       <a:pPr algn="ctr" latinLnBrk="1"/>
                       <a:r>
                         <a:rPr lang="en-US" altLang="ko-KR" sz="1200"/>
-                        <a:t>B - E  </a:t>
+                        <a:t>C - D - E  </a:t>
                       </a:r>
                       <a:endParaRPr lang="ko-KR" altLang="en-US" sz="1200"/>
                     </a:p>
